--- a/img/ins/memory_seperate/slides/general_sequential_slides.pptx
+++ b/img/ins/memory_seperate/slides/general_sequential_slides.pptx
@@ -13,7 +13,13 @@
     <p:sldId id="270" r:id="rId7"/>
     <p:sldId id="263" r:id="rId8"/>
     <p:sldId id="260" r:id="rId9"/>
-    <p:sldId id="271" r:id="rId10"/>
+    <p:sldId id="273" r:id="rId10"/>
+    <p:sldId id="256" r:id="rId11"/>
+    <p:sldId id="274" r:id="rId12"/>
+    <p:sldId id="275" r:id="rId13"/>
+    <p:sldId id="276" r:id="rId14"/>
+    <p:sldId id="277" r:id="rId15"/>
+    <p:sldId id="271" r:id="rId16"/>
   </p:sldIdLst>
   <p:sldSz cx="24384000" cy="13716000"/>
   <p:notesSz cx="6858000" cy="9144000"/>
@@ -136,7 +142,28 @@
       </p:ext>
     </p:extLst>
   </p:cmAuthor>
+  <p:cmAuthor id="3" name="Jonas Schone" initials="JS" lastIdx="1" clrIdx="2">
+    <p:extLst>
+      <p:ext uri="{19B8F6BF-5375-455C-9EA6-DF929625EA0E}">
+        <p15:presenceInfo xmlns:p15="http://schemas.microsoft.com/office/powerpoint/2012/main" userId="S::kell5560@ox.ac.uk::087c8fa4-d9b2-4b32-8545-9620c89551d7" providerId="AD"/>
+      </p:ext>
+    </p:extLst>
+  </p:cmAuthor>
 </p:cmAuthorLst>
+</file>
+
+<file path=ppt/comments/comment1.xml><?xml version="1.0" encoding="utf-8"?>
+<p:cmLst xmlns:a="http://schemas.openxmlformats.org/drawingml/2006/main" xmlns:r="http://schemas.openxmlformats.org/officeDocument/2006/relationships" xmlns:p="http://schemas.openxmlformats.org/presentationml/2006/main">
+  <p:cm authorId="3" dt="2020-05-09T13:31:39.024" idx="1">
+    <p:pos x="8032" y="4560"/>
+    <p:text/>
+    <p:extLst>
+      <p:ext uri="{C676402C-5697-4E1C-873F-D02D1690AC5C}">
+        <p15:threadingInfo xmlns:p15="http://schemas.microsoft.com/office/powerpoint/2012/main" timeZoneBias="-60"/>
+      </p:ext>
+    </p:extLst>
+  </p:cm>
+</p:cmLst>
 </file>
 
 <file path=ppt/slideLayouts/slideLayout1.xml><?xml version="1.0" encoding="utf-8"?>
@@ -270,7 +297,7 @@
           <a:p>
             <a:fld id="{22BE98DE-5B02-5640-B1FB-9B77D9687ABA}" type="datetimeFigureOut">
               <a:rPr lang="en-US" smtClean="0"/>
-              <a:t>4/30/2020</a:t>
+              <a:t>5/9/2020</a:t>
             </a:fld>
             <a:endParaRPr lang="en-US"/>
           </a:p>
@@ -440,7 +467,7 @@
           <a:p>
             <a:fld id="{22BE98DE-5B02-5640-B1FB-9B77D9687ABA}" type="datetimeFigureOut">
               <a:rPr lang="en-US" smtClean="0"/>
-              <a:t>4/30/2020</a:t>
+              <a:t>5/9/2020</a:t>
             </a:fld>
             <a:endParaRPr lang="en-US"/>
           </a:p>
@@ -620,7 +647,7 @@
           <a:p>
             <a:fld id="{22BE98DE-5B02-5640-B1FB-9B77D9687ABA}" type="datetimeFigureOut">
               <a:rPr lang="en-US" smtClean="0"/>
-              <a:t>4/30/2020</a:t>
+              <a:t>5/9/2020</a:t>
             </a:fld>
             <a:endParaRPr lang="en-US"/>
           </a:p>
@@ -790,7 +817,7 @@
           <a:p>
             <a:fld id="{22BE98DE-5B02-5640-B1FB-9B77D9687ABA}" type="datetimeFigureOut">
               <a:rPr lang="en-US" smtClean="0"/>
-              <a:t>4/30/2020</a:t>
+              <a:t>5/9/2020</a:t>
             </a:fld>
             <a:endParaRPr lang="en-US"/>
           </a:p>
@@ -1036,7 +1063,7 @@
           <a:p>
             <a:fld id="{22BE98DE-5B02-5640-B1FB-9B77D9687ABA}" type="datetimeFigureOut">
               <a:rPr lang="en-US" smtClean="0"/>
-              <a:t>4/30/2020</a:t>
+              <a:t>5/9/2020</a:t>
             </a:fld>
             <a:endParaRPr lang="en-US"/>
           </a:p>
@@ -1268,7 +1295,7 @@
           <a:p>
             <a:fld id="{22BE98DE-5B02-5640-B1FB-9B77D9687ABA}" type="datetimeFigureOut">
               <a:rPr lang="en-US" smtClean="0"/>
-              <a:t>4/30/2020</a:t>
+              <a:t>5/9/2020</a:t>
             </a:fld>
             <a:endParaRPr lang="en-US"/>
           </a:p>
@@ -1635,7 +1662,7 @@
           <a:p>
             <a:fld id="{22BE98DE-5B02-5640-B1FB-9B77D9687ABA}" type="datetimeFigureOut">
               <a:rPr lang="en-US" smtClean="0"/>
-              <a:t>4/30/2020</a:t>
+              <a:t>5/9/2020</a:t>
             </a:fld>
             <a:endParaRPr lang="en-US"/>
           </a:p>
@@ -1753,7 +1780,7 @@
           <a:p>
             <a:fld id="{22BE98DE-5B02-5640-B1FB-9B77D9687ABA}" type="datetimeFigureOut">
               <a:rPr lang="en-US" smtClean="0"/>
-              <a:t>4/30/2020</a:t>
+              <a:t>5/9/2020</a:t>
             </a:fld>
             <a:endParaRPr lang="en-US"/>
           </a:p>
@@ -1848,7 +1875,7 @@
           <a:p>
             <a:fld id="{22BE98DE-5B02-5640-B1FB-9B77D9687ABA}" type="datetimeFigureOut">
               <a:rPr lang="en-US" smtClean="0"/>
-              <a:t>4/30/2020</a:t>
+              <a:t>5/9/2020</a:t>
             </a:fld>
             <a:endParaRPr lang="en-US"/>
           </a:p>
@@ -2125,7 +2152,7 @@
           <a:p>
             <a:fld id="{22BE98DE-5B02-5640-B1FB-9B77D9687ABA}" type="datetimeFigureOut">
               <a:rPr lang="en-US" smtClean="0"/>
-              <a:t>4/30/2020</a:t>
+              <a:t>5/9/2020</a:t>
             </a:fld>
             <a:endParaRPr lang="en-US"/>
           </a:p>
@@ -2382,7 +2409,7 @@
           <a:p>
             <a:fld id="{22BE98DE-5B02-5640-B1FB-9B77D9687ABA}" type="datetimeFigureOut">
               <a:rPr lang="en-US" smtClean="0"/>
-              <a:t>4/30/2020</a:t>
+              <a:t>5/9/2020</a:t>
             </a:fld>
             <a:endParaRPr lang="en-US"/>
           </a:p>
@@ -2595,7 +2622,7 @@
             <a:fld id="{22BE98DE-5B02-5640-B1FB-9B77D9687ABA}" type="datetimeFigureOut">
               <a:rPr lang="en-US" smtClean="0"/>
               <a:pPr/>
-              <a:t>4/30/2020</a:t>
+              <a:t>5/9/2020</a:t>
             </a:fld>
             <a:endParaRPr lang="en-US" dirty="0"/>
           </a:p>
@@ -3377,6 +3404,2469 @@
 </p:sld>
 </file>
 
+<file path=ppt/slides/slide10.xml><?xml version="1.0" encoding="utf-8"?>
+<p:sld xmlns:a="http://schemas.openxmlformats.org/drawingml/2006/main" xmlns:r="http://schemas.openxmlformats.org/officeDocument/2006/relationships" xmlns:p="http://schemas.openxmlformats.org/presentationml/2006/main">
+  <p:cSld>
+    <p:bg>
+      <p:bgPr>
+        <a:solidFill>
+          <a:srgbClr val="AAAAAA"/>
+        </a:solidFill>
+        <a:effectLst/>
+      </p:bgPr>
+    </p:bg>
+    <p:spTree>
+      <p:nvGrpSpPr>
+        <p:cNvPr id="1" name=""/>
+        <p:cNvGrpSpPr/>
+        <p:nvPr/>
+      </p:nvGrpSpPr>
+      <p:grpSpPr>
+        <a:xfrm>
+          <a:off x="0" y="0"/>
+          <a:ext cx="0" cy="0"/>
+          <a:chOff x="0" y="0"/>
+          <a:chExt cx="0" cy="0"/>
+        </a:xfrm>
+      </p:grpSpPr>
+      <p:sp>
+        <p:nvSpPr>
+          <p:cNvPr id="6" name="TextBox 5">
+            <a:extLst>
+              <a:ext uri="{FF2B5EF4-FFF2-40B4-BE49-F238E27FC236}">
+                <a16:creationId xmlns:a16="http://schemas.microsoft.com/office/drawing/2014/main" id="{94351CDC-9204-4C7A-84D5-1470867D0014}"/>
+              </a:ext>
+            </a:extLst>
+          </p:cNvPr>
+          <p:cNvSpPr txBox="1"/>
+          <p:nvPr/>
+        </p:nvSpPr>
+        <p:spPr>
+          <a:xfrm>
+            <a:off x="-879295" y="443847"/>
+            <a:ext cx="26918742" cy="3046988"/>
+          </a:xfrm>
+          <a:prstGeom prst="rect">
+            <a:avLst/>
+          </a:prstGeom>
+          <a:noFill/>
+        </p:spPr>
+        <p:txBody>
+          <a:bodyPr wrap="square" rtlCol="0">
+            <a:spAutoFit/>
+          </a:bodyPr>
+          <a:lstStyle/>
+          <a:p>
+            <a:pPr algn="ctr"/>
+            <a:r>
+              <a:rPr lang="en-GB" sz="4800" dirty="0">
+                <a:latin typeface="Arial" panose="020B0604020202020204" pitchFamily="34" charset="0"/>
+                <a:cs typeface="Arial" panose="020B0604020202020204" pitchFamily="34" charset="0"/>
+              </a:rPr>
+              <a:t>After the sequence</a:t>
+            </a:r>
+            <a:r>
+              <a:rPr lang="en-DE" sz="4800" dirty="0">
+                <a:latin typeface="Arial" panose="020B0604020202020204" pitchFamily="34" charset="0"/>
+                <a:cs typeface="Arial" panose="020B0604020202020204" pitchFamily="34" charset="0"/>
+              </a:rPr>
+              <a:t> </a:t>
+            </a:r>
+            <a:r>
+              <a:rPr lang="en-GB" sz="4800" dirty="0">
+                <a:latin typeface="Arial" panose="020B0604020202020204" pitchFamily="34" charset="0"/>
+                <a:cs typeface="Arial" panose="020B0604020202020204" pitchFamily="34" charset="0"/>
+              </a:rPr>
+              <a:t>a target face</a:t>
+            </a:r>
+            <a:r>
+              <a:rPr lang="en-DE" sz="4800" dirty="0">
+                <a:latin typeface="Arial" panose="020B0604020202020204" pitchFamily="34" charset="0"/>
+                <a:cs typeface="Arial" panose="020B0604020202020204" pitchFamily="34" charset="0"/>
+              </a:rPr>
+              <a:t> will be presented to y</a:t>
+            </a:r>
+            <a:r>
+              <a:rPr lang="en-GB" sz="4800" dirty="0">
+                <a:latin typeface="Arial" panose="020B0604020202020204" pitchFamily="34" charset="0"/>
+                <a:cs typeface="Arial" panose="020B0604020202020204" pitchFamily="34" charset="0"/>
+              </a:rPr>
+              <a:t>o</a:t>
+            </a:r>
+            <a:r>
+              <a:rPr lang="en-DE" sz="4800" dirty="0">
+                <a:latin typeface="Arial" panose="020B0604020202020204" pitchFamily="34" charset="0"/>
+                <a:cs typeface="Arial" panose="020B0604020202020204" pitchFamily="34" charset="0"/>
+              </a:rPr>
+              <a:t>u.</a:t>
+            </a:r>
+          </a:p>
+          <a:p>
+            <a:pPr algn="ctr"/>
+            <a:endParaRPr lang="en-DE" sz="4800" dirty="0">
+              <a:latin typeface="Arial" panose="020B0604020202020204" pitchFamily="34" charset="0"/>
+              <a:cs typeface="Arial" panose="020B0604020202020204" pitchFamily="34" charset="0"/>
+            </a:endParaRPr>
+          </a:p>
+          <a:p>
+            <a:pPr algn="ctr"/>
+            <a:r>
+              <a:rPr lang="en-DE" sz="4800" dirty="0">
+                <a:latin typeface="Arial" panose="020B0604020202020204" pitchFamily="34" charset="0"/>
+                <a:cs typeface="Arial" panose="020B0604020202020204" pitchFamily="34" charset="0"/>
+              </a:rPr>
+              <a:t>W</a:t>
+            </a:r>
+            <a:r>
+              <a:rPr lang="en-GB" sz="4800" dirty="0">
+                <a:latin typeface="Arial" panose="020B0604020202020204" pitchFamily="34" charset="0"/>
+                <a:cs typeface="Arial" panose="020B0604020202020204" pitchFamily="34" charset="0"/>
+              </a:rPr>
+              <a:t>e</a:t>
+            </a:r>
+            <a:r>
+              <a:rPr lang="en-DE" sz="4800" dirty="0">
+                <a:latin typeface="Arial" panose="020B0604020202020204" pitchFamily="34" charset="0"/>
+                <a:cs typeface="Arial" panose="020B0604020202020204" pitchFamily="34" charset="0"/>
+              </a:rPr>
+              <a:t> </a:t>
+            </a:r>
+            <a:r>
+              <a:rPr lang="en-GB" sz="4800" dirty="0">
+                <a:latin typeface="Arial" panose="020B0604020202020204" pitchFamily="34" charset="0"/>
+                <a:cs typeface="Arial" panose="020B0604020202020204" pitchFamily="34" charset="0"/>
+              </a:rPr>
+              <a:t>a</a:t>
+            </a:r>
+            <a:r>
+              <a:rPr lang="en-DE" sz="4800" dirty="0">
+                <a:latin typeface="Arial" panose="020B0604020202020204" pitchFamily="34" charset="0"/>
+                <a:cs typeface="Arial" panose="020B0604020202020204" pitchFamily="34" charset="0"/>
+              </a:rPr>
+              <a:t>s</a:t>
+            </a:r>
+            <a:r>
+              <a:rPr lang="en-GB" sz="4800" dirty="0">
+                <a:latin typeface="Arial" panose="020B0604020202020204" pitchFamily="34" charset="0"/>
+                <a:cs typeface="Arial" panose="020B0604020202020204" pitchFamily="34" charset="0"/>
+              </a:rPr>
+              <a:t>k</a:t>
+            </a:r>
+            <a:r>
+              <a:rPr lang="en-DE" sz="4800" dirty="0">
+                <a:latin typeface="Arial" panose="020B0604020202020204" pitchFamily="34" charset="0"/>
+                <a:cs typeface="Arial" panose="020B0604020202020204" pitchFamily="34" charset="0"/>
+              </a:rPr>
+              <a:t> </a:t>
+            </a:r>
+            <a:r>
+              <a:rPr lang="en-GB" sz="4800" dirty="0">
+                <a:latin typeface="Arial" panose="020B0604020202020204" pitchFamily="34" charset="0"/>
+                <a:cs typeface="Arial" panose="020B0604020202020204" pitchFamily="34" charset="0"/>
+              </a:rPr>
+              <a:t>y</a:t>
+            </a:r>
+            <a:r>
+              <a:rPr lang="en-DE" sz="4800" dirty="0">
+                <a:latin typeface="Arial" panose="020B0604020202020204" pitchFamily="34" charset="0"/>
+                <a:cs typeface="Arial" panose="020B0604020202020204" pitchFamily="34" charset="0"/>
+              </a:rPr>
+              <a:t>o</a:t>
+            </a:r>
+            <a:r>
+              <a:rPr lang="en-GB" sz="4800" dirty="0">
+                <a:latin typeface="Arial" panose="020B0604020202020204" pitchFamily="34" charset="0"/>
+                <a:cs typeface="Arial" panose="020B0604020202020204" pitchFamily="34" charset="0"/>
+              </a:rPr>
+              <a:t>u</a:t>
+            </a:r>
+            <a:r>
+              <a:rPr lang="en-DE" sz="4800" dirty="0">
+                <a:latin typeface="Arial" panose="020B0604020202020204" pitchFamily="34" charset="0"/>
+                <a:cs typeface="Arial" panose="020B0604020202020204" pitchFamily="34" charset="0"/>
+              </a:rPr>
+              <a:t> </a:t>
+            </a:r>
+            <a:r>
+              <a:rPr lang="en-GB" sz="4800" dirty="0">
+                <a:latin typeface="Arial" panose="020B0604020202020204" pitchFamily="34" charset="0"/>
+                <a:cs typeface="Arial" panose="020B0604020202020204" pitchFamily="34" charset="0"/>
+              </a:rPr>
+              <a:t>t</a:t>
+            </a:r>
+            <a:r>
+              <a:rPr lang="en-DE" sz="4800" dirty="0">
+                <a:latin typeface="Arial" panose="020B0604020202020204" pitchFamily="34" charset="0"/>
+                <a:cs typeface="Arial" panose="020B0604020202020204" pitchFamily="34" charset="0"/>
+              </a:rPr>
+              <a:t>o </a:t>
+            </a:r>
+            <a:r>
+              <a:rPr lang="en-GB" sz="4800" b="1" dirty="0">
+                <a:latin typeface="Arial" panose="020B0604020202020204" pitchFamily="34" charset="0"/>
+                <a:cs typeface="Arial" panose="020B0604020202020204" pitchFamily="34" charset="0"/>
+              </a:rPr>
+              <a:t>r</a:t>
+            </a:r>
+            <a:r>
+              <a:rPr lang="en-DE" sz="4800" b="1" dirty="0" err="1">
+                <a:latin typeface="Arial" panose="020B0604020202020204" pitchFamily="34" charset="0"/>
+                <a:cs typeface="Arial" panose="020B0604020202020204" pitchFamily="34" charset="0"/>
+              </a:rPr>
+              <a:t>ecall</a:t>
+            </a:r>
+            <a:r>
+              <a:rPr lang="en-DE" sz="4800" dirty="0">
+                <a:latin typeface="Arial" panose="020B0604020202020204" pitchFamily="34" charset="0"/>
+                <a:cs typeface="Arial" panose="020B0604020202020204" pitchFamily="34" charset="0"/>
+              </a:rPr>
+              <a:t>, </a:t>
+            </a:r>
+            <a:r>
+              <a:rPr lang="en-GB" sz="4800" dirty="0" err="1">
+                <a:latin typeface="Arial" panose="020B0604020202020204" pitchFamily="34" charset="0"/>
+                <a:cs typeface="Arial" panose="020B0604020202020204" pitchFamily="34" charset="0"/>
+              </a:rPr>
+              <a:t>i</a:t>
+            </a:r>
+            <a:r>
+              <a:rPr lang="en-DE" sz="4800" dirty="0">
+                <a:latin typeface="Arial" panose="020B0604020202020204" pitchFamily="34" charset="0"/>
+                <a:cs typeface="Arial" panose="020B0604020202020204" pitchFamily="34" charset="0"/>
+              </a:rPr>
+              <a:t>f </a:t>
+            </a:r>
+            <a:r>
+              <a:rPr lang="en-GB" sz="4800" dirty="0">
+                <a:latin typeface="Arial" panose="020B0604020202020204" pitchFamily="34" charset="0"/>
+                <a:cs typeface="Arial" panose="020B0604020202020204" pitchFamily="34" charset="0"/>
+              </a:rPr>
+              <a:t>t</a:t>
+            </a:r>
+            <a:r>
+              <a:rPr lang="en-DE" sz="4800" dirty="0">
+                <a:latin typeface="Arial" panose="020B0604020202020204" pitchFamily="34" charset="0"/>
+                <a:cs typeface="Arial" panose="020B0604020202020204" pitchFamily="34" charset="0"/>
+              </a:rPr>
+              <a:t>h</a:t>
+            </a:r>
+            <a:r>
+              <a:rPr lang="en-GB" sz="4800" dirty="0">
+                <a:latin typeface="Arial" panose="020B0604020202020204" pitchFamily="34" charset="0"/>
+                <a:cs typeface="Arial" panose="020B0604020202020204" pitchFamily="34" charset="0"/>
+              </a:rPr>
+              <a:t>e</a:t>
+            </a:r>
+            <a:r>
+              <a:rPr lang="en-DE" sz="4800" dirty="0">
+                <a:latin typeface="Arial" panose="020B0604020202020204" pitchFamily="34" charset="0"/>
+                <a:cs typeface="Arial" panose="020B0604020202020204" pitchFamily="34" charset="0"/>
+              </a:rPr>
+              <a:t> </a:t>
+            </a:r>
+            <a:r>
+              <a:rPr lang="en-GB" sz="4800" dirty="0">
+                <a:latin typeface="Arial" panose="020B0604020202020204" pitchFamily="34" charset="0"/>
+                <a:cs typeface="Arial" panose="020B0604020202020204" pitchFamily="34" charset="0"/>
+              </a:rPr>
+              <a:t>t</a:t>
+            </a:r>
+            <a:r>
+              <a:rPr lang="en-DE" sz="4800" dirty="0">
+                <a:latin typeface="Arial" panose="020B0604020202020204" pitchFamily="34" charset="0"/>
+                <a:cs typeface="Arial" panose="020B0604020202020204" pitchFamily="34" charset="0"/>
+              </a:rPr>
+              <a:t>h</a:t>
+            </a:r>
+            <a:r>
+              <a:rPr lang="en-GB" sz="4800" dirty="0">
+                <a:latin typeface="Arial" panose="020B0604020202020204" pitchFamily="34" charset="0"/>
+                <a:cs typeface="Arial" panose="020B0604020202020204" pitchFamily="34" charset="0"/>
+              </a:rPr>
+              <a:t>e</a:t>
+            </a:r>
+            <a:r>
+              <a:rPr lang="en-DE" sz="4800" dirty="0">
+                <a:latin typeface="Arial" panose="020B0604020202020204" pitchFamily="34" charset="0"/>
+                <a:cs typeface="Arial" panose="020B0604020202020204" pitchFamily="34" charset="0"/>
+              </a:rPr>
+              <a:t> </a:t>
+            </a:r>
+            <a:r>
+              <a:rPr lang="en-GB" sz="4800" dirty="0">
+                <a:latin typeface="Arial" panose="020B0604020202020204" pitchFamily="34" charset="0"/>
+                <a:cs typeface="Arial" panose="020B0604020202020204" pitchFamily="34" charset="0"/>
+              </a:rPr>
+              <a:t>p</a:t>
+            </a:r>
+            <a:r>
+              <a:rPr lang="en-DE" sz="4800" dirty="0">
+                <a:latin typeface="Arial" panose="020B0604020202020204" pitchFamily="34" charset="0"/>
+                <a:cs typeface="Arial" panose="020B0604020202020204" pitchFamily="34" charset="0"/>
+              </a:rPr>
+              <a:t>r</a:t>
+            </a:r>
+            <a:r>
+              <a:rPr lang="en-GB" sz="4800" dirty="0">
+                <a:latin typeface="Arial" panose="020B0604020202020204" pitchFamily="34" charset="0"/>
+                <a:cs typeface="Arial" panose="020B0604020202020204" pitchFamily="34" charset="0"/>
+              </a:rPr>
+              <a:t>e</a:t>
+            </a:r>
+            <a:r>
+              <a:rPr lang="en-DE" sz="4800" dirty="0">
+                <a:latin typeface="Arial" panose="020B0604020202020204" pitchFamily="34" charset="0"/>
+                <a:cs typeface="Arial" panose="020B0604020202020204" pitchFamily="34" charset="0"/>
+              </a:rPr>
+              <a:t>s</a:t>
+            </a:r>
+            <a:r>
+              <a:rPr lang="en-GB" sz="4800" dirty="0">
+                <a:latin typeface="Arial" panose="020B0604020202020204" pitchFamily="34" charset="0"/>
+                <a:cs typeface="Arial" panose="020B0604020202020204" pitchFamily="34" charset="0"/>
+              </a:rPr>
+              <a:t>e</a:t>
+            </a:r>
+            <a:r>
+              <a:rPr lang="en-DE" sz="4800" dirty="0">
+                <a:latin typeface="Arial" panose="020B0604020202020204" pitchFamily="34" charset="0"/>
+                <a:cs typeface="Arial" panose="020B0604020202020204" pitchFamily="34" charset="0"/>
+              </a:rPr>
+              <a:t>n</a:t>
+            </a:r>
+            <a:r>
+              <a:rPr lang="en-GB" sz="4800" dirty="0">
+                <a:latin typeface="Arial" panose="020B0604020202020204" pitchFamily="34" charset="0"/>
+                <a:cs typeface="Arial" panose="020B0604020202020204" pitchFamily="34" charset="0"/>
+              </a:rPr>
+              <a:t>t</a:t>
+            </a:r>
+            <a:r>
+              <a:rPr lang="en-DE" sz="4800" dirty="0">
+                <a:latin typeface="Arial" panose="020B0604020202020204" pitchFamily="34" charset="0"/>
+                <a:cs typeface="Arial" panose="020B0604020202020204" pitchFamily="34" charset="0"/>
+              </a:rPr>
+              <a:t>e</a:t>
+            </a:r>
+            <a:r>
+              <a:rPr lang="en-GB" sz="4800" dirty="0">
+                <a:latin typeface="Arial" panose="020B0604020202020204" pitchFamily="34" charset="0"/>
+                <a:cs typeface="Arial" panose="020B0604020202020204" pitchFamily="34" charset="0"/>
+              </a:rPr>
+              <a:t>d</a:t>
+            </a:r>
+            <a:r>
+              <a:rPr lang="en-DE" sz="4800" dirty="0">
+                <a:latin typeface="Arial" panose="020B0604020202020204" pitchFamily="34" charset="0"/>
+                <a:cs typeface="Arial" panose="020B0604020202020204" pitchFamily="34" charset="0"/>
+              </a:rPr>
+              <a:t> </a:t>
+            </a:r>
+            <a:r>
+              <a:rPr lang="en-GB" sz="4800" dirty="0">
+                <a:latin typeface="Arial" panose="020B0604020202020204" pitchFamily="34" charset="0"/>
+                <a:cs typeface="Arial" panose="020B0604020202020204" pitchFamily="34" charset="0"/>
+              </a:rPr>
+              <a:t>f</a:t>
+            </a:r>
+            <a:r>
+              <a:rPr lang="en-DE" sz="4800" dirty="0">
+                <a:latin typeface="Arial" panose="020B0604020202020204" pitchFamily="34" charset="0"/>
+                <a:cs typeface="Arial" panose="020B0604020202020204" pitchFamily="34" charset="0"/>
+              </a:rPr>
+              <a:t>a</a:t>
+            </a:r>
+            <a:r>
+              <a:rPr lang="en-GB" sz="4800" dirty="0">
+                <a:latin typeface="Arial" panose="020B0604020202020204" pitchFamily="34" charset="0"/>
+                <a:cs typeface="Arial" panose="020B0604020202020204" pitchFamily="34" charset="0"/>
+              </a:rPr>
+              <a:t>c</a:t>
+            </a:r>
+            <a:r>
+              <a:rPr lang="en-DE" sz="4800" dirty="0">
+                <a:latin typeface="Arial" panose="020B0604020202020204" pitchFamily="34" charset="0"/>
+                <a:cs typeface="Arial" panose="020B0604020202020204" pitchFamily="34" charset="0"/>
+              </a:rPr>
+              <a:t>e </a:t>
+            </a:r>
+            <a:r>
+              <a:rPr lang="en-GB" sz="4800" dirty="0">
+                <a:latin typeface="Arial" panose="020B0604020202020204" pitchFamily="34" charset="0"/>
+                <a:cs typeface="Arial" panose="020B0604020202020204" pitchFamily="34" charset="0"/>
+              </a:rPr>
+              <a:t>w</a:t>
+            </a:r>
+            <a:r>
+              <a:rPr lang="en-DE" sz="4800" dirty="0">
+                <a:latin typeface="Arial" panose="020B0604020202020204" pitchFamily="34" charset="0"/>
+                <a:cs typeface="Arial" panose="020B0604020202020204" pitchFamily="34" charset="0"/>
+              </a:rPr>
+              <a:t>a</a:t>
+            </a:r>
+            <a:r>
+              <a:rPr lang="en-GB" sz="4800" dirty="0">
+                <a:latin typeface="Arial" panose="020B0604020202020204" pitchFamily="34" charset="0"/>
+                <a:cs typeface="Arial" panose="020B0604020202020204" pitchFamily="34" charset="0"/>
+              </a:rPr>
+              <a:t>s</a:t>
+            </a:r>
+            <a:r>
+              <a:rPr lang="en-DE" sz="4800" dirty="0">
+                <a:latin typeface="Arial" panose="020B0604020202020204" pitchFamily="34" charset="0"/>
+                <a:cs typeface="Arial" panose="020B0604020202020204" pitchFamily="34" charset="0"/>
+              </a:rPr>
+              <a:t> </a:t>
+            </a:r>
+            <a:r>
+              <a:rPr lang="en-GB" sz="4800" dirty="0" err="1">
+                <a:latin typeface="Arial" panose="020B0604020202020204" pitchFamily="34" charset="0"/>
+                <a:cs typeface="Arial" panose="020B0604020202020204" pitchFamily="34" charset="0"/>
+              </a:rPr>
+              <a:t>i</a:t>
+            </a:r>
+            <a:r>
+              <a:rPr lang="en-DE" sz="4800" dirty="0">
+                <a:latin typeface="Arial" panose="020B0604020202020204" pitchFamily="34" charset="0"/>
+                <a:cs typeface="Arial" panose="020B0604020202020204" pitchFamily="34" charset="0"/>
+              </a:rPr>
+              <a:t>n </a:t>
+            </a:r>
+            <a:r>
+              <a:rPr lang="en-GB" sz="4800" dirty="0">
+                <a:latin typeface="Arial" panose="020B0604020202020204" pitchFamily="34" charset="0"/>
+                <a:cs typeface="Arial" panose="020B0604020202020204" pitchFamily="34" charset="0"/>
+              </a:rPr>
+              <a:t>t</a:t>
+            </a:r>
+            <a:r>
+              <a:rPr lang="en-DE" sz="4800" dirty="0">
+                <a:latin typeface="Arial" panose="020B0604020202020204" pitchFamily="34" charset="0"/>
+                <a:cs typeface="Arial" panose="020B0604020202020204" pitchFamily="34" charset="0"/>
+              </a:rPr>
+              <a:t>h</a:t>
+            </a:r>
+            <a:r>
+              <a:rPr lang="en-GB" sz="4800" dirty="0">
+                <a:latin typeface="Arial" panose="020B0604020202020204" pitchFamily="34" charset="0"/>
+                <a:cs typeface="Arial" panose="020B0604020202020204" pitchFamily="34" charset="0"/>
+              </a:rPr>
+              <a:t>e</a:t>
+            </a:r>
+            <a:r>
+              <a:rPr lang="en-DE" sz="4800" dirty="0">
+                <a:latin typeface="Arial" panose="020B0604020202020204" pitchFamily="34" charset="0"/>
+                <a:cs typeface="Arial" panose="020B0604020202020204" pitchFamily="34" charset="0"/>
+              </a:rPr>
+              <a:t> </a:t>
+            </a:r>
+            <a:r>
+              <a:rPr lang="en-GB" sz="4800" dirty="0">
+                <a:latin typeface="Arial" panose="020B0604020202020204" pitchFamily="34" charset="0"/>
+                <a:cs typeface="Arial" panose="020B0604020202020204" pitchFamily="34" charset="0"/>
+              </a:rPr>
+              <a:t>s</a:t>
+            </a:r>
+            <a:r>
+              <a:rPr lang="en-DE" sz="4800" dirty="0">
+                <a:latin typeface="Arial" panose="020B0604020202020204" pitchFamily="34" charset="0"/>
+                <a:cs typeface="Arial" panose="020B0604020202020204" pitchFamily="34" charset="0"/>
+              </a:rPr>
+              <a:t>e</a:t>
+            </a:r>
+            <a:r>
+              <a:rPr lang="en-GB" sz="4800" dirty="0">
+                <a:latin typeface="Arial" panose="020B0604020202020204" pitchFamily="34" charset="0"/>
+                <a:cs typeface="Arial" panose="020B0604020202020204" pitchFamily="34" charset="0"/>
+              </a:rPr>
+              <a:t>q</a:t>
+            </a:r>
+            <a:r>
+              <a:rPr lang="en-DE" sz="4800" dirty="0">
+                <a:latin typeface="Arial" panose="020B0604020202020204" pitchFamily="34" charset="0"/>
+                <a:cs typeface="Arial" panose="020B0604020202020204" pitchFamily="34" charset="0"/>
+              </a:rPr>
+              <a:t>u</a:t>
+            </a:r>
+            <a:r>
+              <a:rPr lang="en-GB" sz="4800" dirty="0">
+                <a:latin typeface="Arial" panose="020B0604020202020204" pitchFamily="34" charset="0"/>
+                <a:cs typeface="Arial" panose="020B0604020202020204" pitchFamily="34" charset="0"/>
+              </a:rPr>
+              <a:t>e</a:t>
+            </a:r>
+            <a:r>
+              <a:rPr lang="en-DE" sz="4800" dirty="0">
+                <a:latin typeface="Arial" panose="020B0604020202020204" pitchFamily="34" charset="0"/>
+                <a:cs typeface="Arial" panose="020B0604020202020204" pitchFamily="34" charset="0"/>
+              </a:rPr>
+              <a:t>n</a:t>
+            </a:r>
+            <a:r>
+              <a:rPr lang="en-GB" sz="4800" dirty="0">
+                <a:latin typeface="Arial" panose="020B0604020202020204" pitchFamily="34" charset="0"/>
+                <a:cs typeface="Arial" panose="020B0604020202020204" pitchFamily="34" charset="0"/>
+              </a:rPr>
+              <a:t>c</a:t>
+            </a:r>
+            <a:r>
+              <a:rPr lang="en-DE" sz="4800" dirty="0">
+                <a:latin typeface="Arial" panose="020B0604020202020204" pitchFamily="34" charset="0"/>
+                <a:cs typeface="Arial" panose="020B0604020202020204" pitchFamily="34" charset="0"/>
+              </a:rPr>
+              <a:t>e</a:t>
+            </a:r>
+          </a:p>
+          <a:p>
+            <a:pPr algn="ctr"/>
+            <a:r>
+              <a:rPr lang="en-DE" sz="4800" dirty="0">
+                <a:latin typeface="Arial" panose="020B0604020202020204" pitchFamily="34" charset="0"/>
+                <a:cs typeface="Arial" panose="020B0604020202020204" pitchFamily="34" charset="0"/>
+              </a:rPr>
+              <a:t>that you just have see</a:t>
+            </a:r>
+            <a:r>
+              <a:rPr lang="en-GB" sz="4800" dirty="0">
+                <a:latin typeface="Arial" panose="020B0604020202020204" pitchFamily="34" charset="0"/>
+                <a:cs typeface="Arial" panose="020B0604020202020204" pitchFamily="34" charset="0"/>
+              </a:rPr>
+              <a:t>n</a:t>
+            </a:r>
+            <a:r>
+              <a:rPr lang="en-DE" sz="4800" dirty="0">
+                <a:latin typeface="Arial" panose="020B0604020202020204" pitchFamily="34" charset="0"/>
+                <a:cs typeface="Arial" panose="020B0604020202020204" pitchFamily="34" charset="0"/>
+              </a:rPr>
+              <a:t>.  </a:t>
+            </a:r>
+            <a:endParaRPr lang="en-GB" sz="2800" dirty="0">
+              <a:latin typeface="Arial" panose="020B0604020202020204" pitchFamily="34" charset="0"/>
+              <a:cs typeface="Arial" panose="020B0604020202020204" pitchFamily="34" charset="0"/>
+            </a:endParaRPr>
+          </a:p>
+        </p:txBody>
+      </p:sp>
+      <p:sp>
+        <p:nvSpPr>
+          <p:cNvPr id="9" name="TextBox 8">
+            <a:extLst>
+              <a:ext uri="{FF2B5EF4-FFF2-40B4-BE49-F238E27FC236}">
+                <a16:creationId xmlns:a16="http://schemas.microsoft.com/office/drawing/2014/main" id="{00BA45CC-B085-452B-9EFA-A03E4C12F969}"/>
+              </a:ext>
+            </a:extLst>
+          </p:cNvPr>
+          <p:cNvSpPr txBox="1"/>
+          <p:nvPr/>
+        </p:nvSpPr>
+        <p:spPr>
+          <a:xfrm>
+            <a:off x="-1547961" y="9137996"/>
+            <a:ext cx="26918742" cy="2677656"/>
+          </a:xfrm>
+          <a:prstGeom prst="rect">
+            <a:avLst/>
+          </a:prstGeom>
+          <a:noFill/>
+        </p:spPr>
+        <p:txBody>
+          <a:bodyPr wrap="square" rtlCol="0">
+            <a:spAutoFit/>
+          </a:bodyPr>
+          <a:lstStyle/>
+          <a:p>
+            <a:pPr algn="ctr"/>
+            <a:endParaRPr lang="en-GB" sz="4800" dirty="0">
+              <a:latin typeface="Arial" panose="020B0604020202020204" pitchFamily="34" charset="0"/>
+              <a:cs typeface="Arial" panose="020B0604020202020204" pitchFamily="34" charset="0"/>
+            </a:endParaRPr>
+          </a:p>
+          <a:p>
+            <a:pPr algn="ctr"/>
+            <a:r>
+              <a:rPr lang="en-GB" sz="4800" dirty="0">
+                <a:latin typeface="Arial" panose="020B0604020202020204" pitchFamily="34" charset="0"/>
+                <a:cs typeface="Arial" panose="020B0604020202020204" pitchFamily="34" charset="0"/>
+              </a:rPr>
+              <a:t>If you think that the target face </a:t>
+            </a:r>
+            <a:r>
+              <a:rPr lang="en-GB" sz="4800" u="sng" dirty="0">
+                <a:solidFill>
+                  <a:srgbClr val="FF0000"/>
+                </a:solidFill>
+                <a:latin typeface="Arial" panose="020B0604020202020204" pitchFamily="34" charset="0"/>
+                <a:cs typeface="Arial" panose="020B0604020202020204" pitchFamily="34" charset="0"/>
+              </a:rPr>
+              <a:t>DID NOT </a:t>
+            </a:r>
+            <a:r>
+              <a:rPr lang="en-GB" sz="4800" dirty="0">
+                <a:latin typeface="Arial" panose="020B0604020202020204" pitchFamily="34" charset="0"/>
+                <a:cs typeface="Arial" panose="020B0604020202020204" pitchFamily="34" charset="0"/>
+              </a:rPr>
+              <a:t>appear </a:t>
+            </a:r>
+          </a:p>
+          <a:p>
+            <a:pPr algn="ctr"/>
+            <a:r>
+              <a:rPr lang="en-GB" sz="4800" dirty="0">
+                <a:latin typeface="Arial" panose="020B0604020202020204" pitchFamily="34" charset="0"/>
+                <a:cs typeface="Arial" panose="020B0604020202020204" pitchFamily="34" charset="0"/>
+              </a:rPr>
+              <a:t>in the sequence you just saw </a:t>
+            </a:r>
+            <a:r>
+              <a:rPr lang="en-GB" sz="4800" dirty="0">
+                <a:solidFill>
+                  <a:srgbClr val="FF0000"/>
+                </a:solidFill>
+                <a:latin typeface="Arial" panose="020B0604020202020204" pitchFamily="34" charset="0"/>
+                <a:cs typeface="Arial" panose="020B0604020202020204" pitchFamily="34" charset="0"/>
+              </a:rPr>
+              <a:t>press </a:t>
+            </a:r>
+            <a:endParaRPr lang="en-DE" sz="4800" dirty="0">
+              <a:solidFill>
+                <a:srgbClr val="FF0000"/>
+              </a:solidFill>
+              <a:latin typeface="Arial" panose="020B0604020202020204" pitchFamily="34" charset="0"/>
+              <a:cs typeface="Arial" panose="020B0604020202020204" pitchFamily="34" charset="0"/>
+            </a:endParaRPr>
+          </a:p>
+          <a:p>
+            <a:pPr algn="ctr"/>
+            <a:endParaRPr lang="en-GB" sz="2400" dirty="0">
+              <a:latin typeface="Arial" panose="020B0604020202020204" pitchFamily="34" charset="0"/>
+              <a:cs typeface="Arial" panose="020B0604020202020204" pitchFamily="34" charset="0"/>
+            </a:endParaRPr>
+          </a:p>
+        </p:txBody>
+      </p:sp>
+      <p:pic>
+        <p:nvPicPr>
+          <p:cNvPr id="4" name="Picture 3" descr="A screenshot of a social media post&#10;&#10;Description automatically generated">
+            <a:extLst>
+              <a:ext uri="{FF2B5EF4-FFF2-40B4-BE49-F238E27FC236}">
+                <a16:creationId xmlns:a16="http://schemas.microsoft.com/office/drawing/2014/main" id="{583FAA9C-D253-4C95-84D5-7842B50998AD}"/>
+              </a:ext>
+            </a:extLst>
+          </p:cNvPr>
+          <p:cNvPicPr>
+            <a:picLocks noChangeAspect="1"/>
+          </p:cNvPicPr>
+          <p:nvPr/>
+        </p:nvPicPr>
+        <p:blipFill rotWithShape="1">
+          <a:blip r:embed="rId2">
+            <a:extLst>
+              <a:ext uri="{28A0092B-C50C-407E-A947-70E740481C1C}">
+                <a14:useLocalDpi xmlns:a14="http://schemas.microsoft.com/office/drawing/2010/main" val="0"/>
+              </a:ext>
+            </a:extLst>
+          </a:blip>
+          <a:srcRect t="13582" b="36651"/>
+          <a:stretch/>
+        </p:blipFill>
+        <p:spPr>
+          <a:xfrm>
+            <a:off x="4059238" y="3739556"/>
+            <a:ext cx="16265524" cy="4363044"/>
+          </a:xfrm>
+          <a:prstGeom prst="rect">
+            <a:avLst/>
+          </a:prstGeom>
+        </p:spPr>
+      </p:pic>
+      <p:pic>
+        <p:nvPicPr>
+          <p:cNvPr id="10" name="Picture 9" descr="A screenshot of a social media post&#10;&#10;Description automatically generated">
+            <a:extLst>
+              <a:ext uri="{FF2B5EF4-FFF2-40B4-BE49-F238E27FC236}">
+                <a16:creationId xmlns:a16="http://schemas.microsoft.com/office/drawing/2014/main" id="{58205E59-E033-4076-9EAA-98F3E98D0B87}"/>
+              </a:ext>
+            </a:extLst>
+          </p:cNvPr>
+          <p:cNvPicPr>
+            <a:picLocks noChangeAspect="1"/>
+          </p:cNvPicPr>
+          <p:nvPr/>
+        </p:nvPicPr>
+        <p:blipFill rotWithShape="1">
+          <a:blip r:embed="rId2">
+            <a:extLst>
+              <a:ext uri="{28A0092B-C50C-407E-A947-70E740481C1C}">
+                <a14:useLocalDpi xmlns:a14="http://schemas.microsoft.com/office/drawing/2010/main" val="0"/>
+              </a:ext>
+            </a:extLst>
+          </a:blip>
+          <a:srcRect l="37900" t="63395" r="51874" b="25625"/>
+          <a:stretch/>
+        </p:blipFill>
+        <p:spPr>
+          <a:xfrm>
+            <a:off x="21283747" y="8438594"/>
+            <a:ext cx="1663338" cy="962592"/>
+          </a:xfrm>
+          <a:prstGeom prst="rect">
+            <a:avLst/>
+          </a:prstGeom>
+        </p:spPr>
+      </p:pic>
+      <p:pic>
+        <p:nvPicPr>
+          <p:cNvPr id="11" name="Picture 10" descr="A screenshot of a social media post&#10;&#10;Description automatically generated">
+            <a:extLst>
+              <a:ext uri="{FF2B5EF4-FFF2-40B4-BE49-F238E27FC236}">
+                <a16:creationId xmlns:a16="http://schemas.microsoft.com/office/drawing/2014/main" id="{74B29991-115A-42C8-9D78-A789155DD1B1}"/>
+              </a:ext>
+            </a:extLst>
+          </p:cNvPr>
+          <p:cNvPicPr>
+            <a:picLocks noChangeAspect="1"/>
+          </p:cNvPicPr>
+          <p:nvPr/>
+        </p:nvPicPr>
+        <p:blipFill rotWithShape="1">
+          <a:blip r:embed="rId2">
+            <a:extLst>
+              <a:ext uri="{28A0092B-C50C-407E-A947-70E740481C1C}">
+                <a14:useLocalDpi xmlns:a14="http://schemas.microsoft.com/office/drawing/2010/main" val="0"/>
+              </a:ext>
+            </a:extLst>
+          </a:blip>
+          <a:srcRect l="48126" t="64220" r="36722" b="25174"/>
+          <a:stretch/>
+        </p:blipFill>
+        <p:spPr>
+          <a:xfrm>
+            <a:off x="16657852" y="10723791"/>
+            <a:ext cx="2464528" cy="929726"/>
+          </a:xfrm>
+          <a:prstGeom prst="rect">
+            <a:avLst/>
+          </a:prstGeom>
+        </p:spPr>
+      </p:pic>
+      <p:sp>
+        <p:nvSpPr>
+          <p:cNvPr id="5" name="TextBox 4">
+            <a:extLst>
+              <a:ext uri="{FF2B5EF4-FFF2-40B4-BE49-F238E27FC236}">
+                <a16:creationId xmlns:a16="http://schemas.microsoft.com/office/drawing/2014/main" id="{7ED606C2-FF74-422D-9EA7-A4F41739A4D1}"/>
+              </a:ext>
+            </a:extLst>
+          </p:cNvPr>
+          <p:cNvSpPr txBox="1"/>
+          <p:nvPr/>
+        </p:nvSpPr>
+        <p:spPr>
+          <a:xfrm>
+            <a:off x="3413783" y="8438594"/>
+            <a:ext cx="18179977" cy="1569660"/>
+          </a:xfrm>
+          <a:prstGeom prst="rect">
+            <a:avLst/>
+          </a:prstGeom>
+          <a:noFill/>
+        </p:spPr>
+        <p:txBody>
+          <a:bodyPr wrap="none" rtlCol="0">
+            <a:spAutoFit/>
+          </a:bodyPr>
+          <a:lstStyle/>
+          <a:p>
+            <a:r>
+              <a:rPr lang="en-GB" sz="4800" dirty="0">
+                <a:latin typeface="Arial" panose="020B0604020202020204" pitchFamily="34" charset="0"/>
+                <a:cs typeface="Arial" panose="020B0604020202020204" pitchFamily="34" charset="0"/>
+              </a:rPr>
+              <a:t>If you think that the target face </a:t>
+            </a:r>
+            <a:r>
+              <a:rPr lang="en-GB" sz="4800" u="sng" dirty="0">
+                <a:solidFill>
+                  <a:srgbClr val="FF0000"/>
+                </a:solidFill>
+                <a:latin typeface="Arial" panose="020B0604020202020204" pitchFamily="34" charset="0"/>
+                <a:cs typeface="Arial" panose="020B0604020202020204" pitchFamily="34" charset="0"/>
+              </a:rPr>
+              <a:t>DID</a:t>
+            </a:r>
+            <a:r>
+              <a:rPr lang="en-GB" sz="4800" dirty="0">
+                <a:latin typeface="Arial" panose="020B0604020202020204" pitchFamily="34" charset="0"/>
+                <a:cs typeface="Arial" panose="020B0604020202020204" pitchFamily="34" charset="0"/>
+              </a:rPr>
+              <a:t> appear in the sequence </a:t>
+            </a:r>
+            <a:r>
+              <a:rPr lang="en-GB" sz="4800" dirty="0">
+                <a:solidFill>
+                  <a:srgbClr val="FF0000"/>
+                </a:solidFill>
+                <a:latin typeface="Arial" panose="020B0604020202020204" pitchFamily="34" charset="0"/>
+                <a:cs typeface="Arial" panose="020B0604020202020204" pitchFamily="34" charset="0"/>
+              </a:rPr>
+              <a:t>press </a:t>
+            </a:r>
+          </a:p>
+          <a:p>
+            <a:endParaRPr lang="en-GB" sz="4800" dirty="0"/>
+          </a:p>
+        </p:txBody>
+      </p:sp>
+    </p:spTree>
+    <p:extLst>
+      <p:ext uri="{BB962C8B-B14F-4D97-AF65-F5344CB8AC3E}">
+        <p14:creationId xmlns:p14="http://schemas.microsoft.com/office/powerpoint/2010/main" val="620429468"/>
+      </p:ext>
+    </p:extLst>
+  </p:cSld>
+  <p:clrMapOvr>
+    <a:masterClrMapping/>
+  </p:clrMapOvr>
+</p:sld>
+</file>
+
+<file path=ppt/slides/slide11.xml><?xml version="1.0" encoding="utf-8"?>
+<p:sld xmlns:a="http://schemas.openxmlformats.org/drawingml/2006/main" xmlns:r="http://schemas.openxmlformats.org/officeDocument/2006/relationships" xmlns:p="http://schemas.openxmlformats.org/presentationml/2006/main">
+  <p:cSld>
+    <p:bg>
+      <p:bgPr>
+        <a:solidFill>
+          <a:srgbClr val="AAAAAA"/>
+        </a:solidFill>
+        <a:effectLst/>
+      </p:bgPr>
+    </p:bg>
+    <p:spTree>
+      <p:nvGrpSpPr>
+        <p:cNvPr id="1" name=""/>
+        <p:cNvGrpSpPr/>
+        <p:nvPr/>
+      </p:nvGrpSpPr>
+      <p:grpSpPr>
+        <a:xfrm>
+          <a:off x="0" y="0"/>
+          <a:ext cx="0" cy="0"/>
+          <a:chOff x="0" y="0"/>
+          <a:chExt cx="0" cy="0"/>
+        </a:xfrm>
+      </p:grpSpPr>
+      <p:sp>
+        <p:nvSpPr>
+          <p:cNvPr id="7" name="Title 1">
+            <a:extLst>
+              <a:ext uri="{FF2B5EF4-FFF2-40B4-BE49-F238E27FC236}">
+                <a16:creationId xmlns:a16="http://schemas.microsoft.com/office/drawing/2014/main" id="{AC1207DB-B1B9-2640-A8F7-AF32188774C8}"/>
+              </a:ext>
+            </a:extLst>
+          </p:cNvPr>
+          <p:cNvSpPr txBox="1">
+            <a:spLocks/>
+          </p:cNvSpPr>
+          <p:nvPr/>
+        </p:nvSpPr>
+        <p:spPr>
+          <a:xfrm>
+            <a:off x="580525" y="3873177"/>
+            <a:ext cx="24297778" cy="1783502"/>
+          </a:xfrm>
+          <a:prstGeom prst="rect">
+            <a:avLst/>
+          </a:prstGeom>
+        </p:spPr>
+        <p:txBody>
+          <a:bodyPr vert="horz" lIns="182856" tIns="91428" rIns="182856" bIns="91428" rtlCol="0" anchor="b">
+            <a:noAutofit/>
+          </a:bodyPr>
+          <a:lstStyle>
+            <a:lvl1pPr algn="ctr" defTabSz="914400" rtl="0" eaLnBrk="1" latinLnBrk="0" hangingPunct="1">
+              <a:lnSpc>
+                <a:spcPct val="90000"/>
+              </a:lnSpc>
+              <a:spcBef>
+                <a:spcPct val="0"/>
+              </a:spcBef>
+              <a:buNone/>
+              <a:defRPr sz="6000" kern="1200">
+                <a:solidFill>
+                  <a:schemeClr val="tx1"/>
+                </a:solidFill>
+                <a:latin typeface="+mj-lt"/>
+                <a:ea typeface="+mj-ea"/>
+                <a:cs typeface="+mj-cs"/>
+              </a:defRPr>
+            </a:lvl1pPr>
+          </a:lstStyle>
+          <a:p>
+            <a:br>
+              <a:rPr lang="en-US" altLang="zh-CN" sz="5800" dirty="0">
+                <a:latin typeface="Arial" panose="020B0604020202020204" pitchFamily="34" charset="0"/>
+                <a:cs typeface="Arial" panose="020B0604020202020204" pitchFamily="34" charset="0"/>
+              </a:rPr>
+            </a:br>
+            <a:r>
+              <a:rPr lang="en-US" altLang="zh-CN" sz="5800" dirty="0">
+                <a:latin typeface="Arial" panose="020B0604020202020204" pitchFamily="34" charset="0"/>
+                <a:cs typeface="Arial" panose="020B0604020202020204" pitchFamily="34" charset="0"/>
+              </a:rPr>
+              <a:t>Remember, the goal here is to provide </a:t>
+            </a:r>
+          </a:p>
+          <a:p>
+            <a:endParaRPr lang="en-US" altLang="zh-CN" sz="2000" dirty="0">
+              <a:latin typeface="Arial" panose="020B0604020202020204" pitchFamily="34" charset="0"/>
+              <a:cs typeface="Arial" panose="020B0604020202020204" pitchFamily="34" charset="0"/>
+            </a:endParaRPr>
+          </a:p>
+          <a:p>
+            <a:r>
+              <a:rPr lang="en-US" altLang="zh-CN" sz="5800" dirty="0">
+                <a:latin typeface="Arial" panose="020B0604020202020204" pitchFamily="34" charset="0"/>
+                <a:cs typeface="Arial" panose="020B0604020202020204" pitchFamily="34" charset="0"/>
+              </a:rPr>
+              <a:t>YOUR JUDGEMENT WHETHER </a:t>
+            </a:r>
+          </a:p>
+          <a:p>
+            <a:r>
+              <a:rPr lang="en-US" altLang="zh-CN" sz="5800" dirty="0">
+                <a:solidFill>
+                  <a:srgbClr val="FF0000"/>
+                </a:solidFill>
+                <a:latin typeface="Arial" panose="020B0604020202020204" pitchFamily="34" charset="0"/>
+                <a:cs typeface="Arial" panose="020B0604020202020204" pitchFamily="34" charset="0"/>
+              </a:rPr>
+              <a:t>THE PRESENTED PICTURE </a:t>
+            </a:r>
+            <a:r>
+              <a:rPr lang="en-US" altLang="zh-CN" sz="5800" u="sng" dirty="0">
+                <a:solidFill>
+                  <a:srgbClr val="FF0000"/>
+                </a:solidFill>
+                <a:latin typeface="Arial" panose="020B0604020202020204" pitchFamily="34" charset="0"/>
+                <a:cs typeface="Arial" panose="020B0604020202020204" pitchFamily="34" charset="0"/>
+              </a:rPr>
+              <a:t>WAS</a:t>
+            </a:r>
+            <a:r>
+              <a:rPr lang="en-US" altLang="zh-CN" sz="5800" dirty="0">
+                <a:solidFill>
+                  <a:srgbClr val="FF0000"/>
+                </a:solidFill>
+                <a:latin typeface="Arial" panose="020B0604020202020204" pitchFamily="34" charset="0"/>
+                <a:cs typeface="Arial" panose="020B0604020202020204" pitchFamily="34" charset="0"/>
+              </a:rPr>
+              <a:t> OR </a:t>
+            </a:r>
+            <a:r>
+              <a:rPr lang="en-US" altLang="zh-CN" sz="5800" u="sng" dirty="0">
+                <a:solidFill>
+                  <a:srgbClr val="FF0000"/>
+                </a:solidFill>
+                <a:latin typeface="Arial" panose="020B0604020202020204" pitchFamily="34" charset="0"/>
+                <a:cs typeface="Arial" panose="020B0604020202020204" pitchFamily="34" charset="0"/>
+              </a:rPr>
+              <a:t>WAS NOT</a:t>
+            </a:r>
+            <a:endParaRPr lang="en-US" altLang="zh-CN" sz="2000" u="sng" dirty="0">
+              <a:latin typeface="Arial" panose="020B0604020202020204" pitchFamily="34" charset="0"/>
+              <a:cs typeface="Arial" panose="020B0604020202020204" pitchFamily="34" charset="0"/>
+            </a:endParaRPr>
+          </a:p>
+          <a:p>
+            <a:r>
+              <a:rPr lang="en-US" altLang="zh-CN" sz="5800" dirty="0">
+                <a:latin typeface="Arial" panose="020B0604020202020204" pitchFamily="34" charset="0"/>
+                <a:cs typeface="Arial" panose="020B0604020202020204" pitchFamily="34" charset="0"/>
+              </a:rPr>
+              <a:t>one of the faces in the sequence you just saw. </a:t>
+            </a:r>
+            <a:endParaRPr lang="en-US" sz="5800" dirty="0">
+              <a:latin typeface="Arial" panose="020B0604020202020204" pitchFamily="34" charset="0"/>
+              <a:cs typeface="Arial" panose="020B0604020202020204" pitchFamily="34" charset="0"/>
+            </a:endParaRPr>
+          </a:p>
+        </p:txBody>
+      </p:sp>
+    </p:spTree>
+    <p:extLst>
+      <p:ext uri="{BB962C8B-B14F-4D97-AF65-F5344CB8AC3E}">
+        <p14:creationId xmlns:p14="http://schemas.microsoft.com/office/powerpoint/2010/main" val="2663472468"/>
+      </p:ext>
+    </p:extLst>
+  </p:cSld>
+  <p:clrMapOvr>
+    <a:masterClrMapping/>
+  </p:clrMapOvr>
+</p:sld>
+</file>
+
+<file path=ppt/slides/slide12.xml><?xml version="1.0" encoding="utf-8"?>
+<p:sld xmlns:a="http://schemas.openxmlformats.org/drawingml/2006/main" xmlns:r="http://schemas.openxmlformats.org/officeDocument/2006/relationships" xmlns:p="http://schemas.openxmlformats.org/presentationml/2006/main">
+  <p:cSld>
+    <p:bg>
+      <p:bgPr>
+        <a:solidFill>
+          <a:srgbClr val="AAAAAA"/>
+        </a:solidFill>
+        <a:effectLst/>
+      </p:bgPr>
+    </p:bg>
+    <p:spTree>
+      <p:nvGrpSpPr>
+        <p:cNvPr id="1" name=""/>
+        <p:cNvGrpSpPr/>
+        <p:nvPr/>
+      </p:nvGrpSpPr>
+      <p:grpSpPr>
+        <a:xfrm>
+          <a:off x="0" y="0"/>
+          <a:ext cx="0" cy="0"/>
+          <a:chOff x="0" y="0"/>
+          <a:chExt cx="0" cy="0"/>
+        </a:xfrm>
+      </p:grpSpPr>
+      <p:sp>
+        <p:nvSpPr>
+          <p:cNvPr id="2" name="Title 1">
+            <a:extLst>
+              <a:ext uri="{FF2B5EF4-FFF2-40B4-BE49-F238E27FC236}">
+                <a16:creationId xmlns:a16="http://schemas.microsoft.com/office/drawing/2014/main" id="{21DCC761-EEA5-3B4F-AEC8-ED98BC41E974}"/>
+              </a:ext>
+            </a:extLst>
+          </p:cNvPr>
+          <p:cNvSpPr>
+            <a:spLocks noGrp="1"/>
+          </p:cNvSpPr>
+          <p:nvPr>
+            <p:ph type="ctrTitle"/>
+          </p:nvPr>
+        </p:nvSpPr>
+        <p:spPr>
+          <a:xfrm>
+            <a:off x="1049651" y="2435699"/>
+            <a:ext cx="23334350" cy="1484590"/>
+          </a:xfrm>
+        </p:spPr>
+        <p:txBody>
+          <a:bodyPr>
+            <a:noAutofit/>
+          </a:bodyPr>
+          <a:lstStyle/>
+          <a:p>
+            <a:pPr algn="l"/>
+            <a:br>
+              <a:rPr lang="en-US" altLang="zh-CN" sz="4000" dirty="0">
+                <a:cs typeface="Arial" panose="020B0604020202020204" pitchFamily="34" charset="0"/>
+              </a:rPr>
+            </a:br>
+            <a:r>
+              <a:rPr lang="en-US" altLang="zh-CN" sz="6400" dirty="0">
+                <a:cs typeface="Arial" panose="020B0604020202020204" pitchFamily="34" charset="0"/>
+              </a:rPr>
+              <a:t>Once</a:t>
+            </a:r>
+            <a:r>
+              <a:rPr lang="zh-CN" altLang="en-US" sz="6400" dirty="0">
+                <a:cs typeface="Arial" panose="020B0604020202020204" pitchFamily="34" charset="0"/>
+              </a:rPr>
+              <a:t> </a:t>
+            </a:r>
+            <a:r>
+              <a:rPr lang="en-US" altLang="zh-CN" sz="6400" dirty="0">
+                <a:cs typeface="Arial" panose="020B0604020202020204" pitchFamily="34" charset="0"/>
+              </a:rPr>
+              <a:t>you</a:t>
+            </a:r>
+            <a:r>
+              <a:rPr lang="zh-CN" altLang="en-US" sz="6400" dirty="0">
+                <a:cs typeface="Arial" panose="020B0604020202020204" pitchFamily="34" charset="0"/>
+              </a:rPr>
+              <a:t> </a:t>
+            </a:r>
+            <a:r>
+              <a:rPr lang="en-US" altLang="zh-CN" sz="6400" dirty="0">
+                <a:cs typeface="Arial" panose="020B0604020202020204" pitchFamily="34" charset="0"/>
+              </a:rPr>
+              <a:t>make</a:t>
+            </a:r>
+            <a:r>
+              <a:rPr lang="zh-CN" altLang="en-US" sz="6400" dirty="0">
+                <a:cs typeface="Arial" panose="020B0604020202020204" pitchFamily="34" charset="0"/>
+              </a:rPr>
+              <a:t> </a:t>
+            </a:r>
+            <a:r>
+              <a:rPr lang="en-US" altLang="zh-CN" sz="6400" dirty="0">
+                <a:cs typeface="Arial" panose="020B0604020202020204" pitchFamily="34" charset="0"/>
+              </a:rPr>
+              <a:t>the</a:t>
+            </a:r>
+            <a:r>
+              <a:rPr lang="zh-CN" altLang="en-US" sz="6400" dirty="0">
+                <a:cs typeface="Arial" panose="020B0604020202020204" pitchFamily="34" charset="0"/>
+              </a:rPr>
+              <a:t> </a:t>
+            </a:r>
+            <a:r>
+              <a:rPr lang="en-US" altLang="zh-CN" sz="6400" dirty="0">
+                <a:cs typeface="Arial" panose="020B0604020202020204" pitchFamily="34" charset="0"/>
+              </a:rPr>
+              <a:t>choice,</a:t>
+            </a:r>
+            <a:r>
+              <a:rPr lang="zh-CN" altLang="en-US" sz="6400" dirty="0">
+                <a:cs typeface="Arial" panose="020B0604020202020204" pitchFamily="34" charset="0"/>
+              </a:rPr>
+              <a:t> </a:t>
+            </a:r>
+            <a:r>
+              <a:rPr lang="en-US" altLang="zh-CN" sz="6400" dirty="0">
+                <a:cs typeface="Arial" panose="020B0604020202020204" pitchFamily="34" charset="0"/>
+              </a:rPr>
+              <a:t>the</a:t>
+            </a:r>
+            <a:r>
+              <a:rPr lang="zh-CN" altLang="en-US" sz="6400" dirty="0">
+                <a:cs typeface="Arial" panose="020B0604020202020204" pitchFamily="34" charset="0"/>
+              </a:rPr>
+              <a:t> </a:t>
+            </a:r>
+            <a:r>
+              <a:rPr lang="en-US" altLang="zh-CN" sz="6400" dirty="0">
+                <a:cs typeface="Arial" panose="020B0604020202020204" pitchFamily="34" charset="0"/>
+              </a:rPr>
+              <a:t>page</a:t>
+            </a:r>
+            <a:r>
+              <a:rPr lang="zh-CN" altLang="en-US" sz="6400" dirty="0">
+                <a:cs typeface="Arial" panose="020B0604020202020204" pitchFamily="34" charset="0"/>
+              </a:rPr>
+              <a:t> </a:t>
+            </a:r>
+            <a:r>
+              <a:rPr lang="en-US" altLang="zh-CN" sz="6400" dirty="0">
+                <a:cs typeface="Arial" panose="020B0604020202020204" pitchFamily="34" charset="0"/>
+              </a:rPr>
+              <a:t>will</a:t>
+            </a:r>
+            <a:r>
+              <a:rPr lang="zh-CN" altLang="en-US" sz="6400" dirty="0">
+                <a:cs typeface="Arial" panose="020B0604020202020204" pitchFamily="34" charset="0"/>
+              </a:rPr>
+              <a:t> </a:t>
+            </a:r>
+            <a:r>
+              <a:rPr lang="en-US" altLang="zh-CN" sz="6400" dirty="0">
+                <a:cs typeface="Arial" panose="020B0604020202020204" pitchFamily="34" charset="0"/>
+              </a:rPr>
+              <a:t>switch</a:t>
+            </a:r>
+            <a:r>
+              <a:rPr lang="zh-CN" altLang="en-US" sz="6400" dirty="0">
+                <a:cs typeface="Arial" panose="020B0604020202020204" pitchFamily="34" charset="0"/>
+              </a:rPr>
+              <a:t> </a:t>
+            </a:r>
+            <a:r>
+              <a:rPr lang="en-US" altLang="zh-CN" sz="6400" dirty="0">
+                <a:cs typeface="Arial" panose="020B0604020202020204" pitchFamily="34" charset="0"/>
+              </a:rPr>
+              <a:t>to the</a:t>
+            </a:r>
+            <a:r>
+              <a:rPr lang="zh-CN" altLang="en-US" sz="6400" dirty="0">
+                <a:cs typeface="Arial" panose="020B0604020202020204" pitchFamily="34" charset="0"/>
+              </a:rPr>
+              <a:t> </a:t>
+            </a:r>
+            <a:r>
+              <a:rPr lang="en-US" altLang="zh-CN" sz="6400" dirty="0">
+                <a:cs typeface="Arial" panose="020B0604020202020204" pitchFamily="34" charset="0"/>
+              </a:rPr>
+              <a:t>next</a:t>
+            </a:r>
+            <a:r>
+              <a:rPr lang="zh-CN" altLang="en-US" sz="6400" dirty="0">
+                <a:cs typeface="Arial" panose="020B0604020202020204" pitchFamily="34" charset="0"/>
+              </a:rPr>
+              <a:t> </a:t>
+            </a:r>
+            <a:r>
+              <a:rPr lang="en-US" altLang="zh-CN" sz="6400" dirty="0">
+                <a:cs typeface="Arial" panose="020B0604020202020204" pitchFamily="34" charset="0"/>
+              </a:rPr>
+              <a:t>trial.</a:t>
+            </a:r>
+            <a:endParaRPr lang="en-US" sz="4000" dirty="0">
+              <a:cs typeface="Arial" panose="020B0604020202020204" pitchFamily="34" charset="0"/>
+            </a:endParaRPr>
+          </a:p>
+        </p:txBody>
+      </p:sp>
+      <p:sp>
+        <p:nvSpPr>
+          <p:cNvPr id="10" name="Subtitle 2">
+            <a:extLst>
+              <a:ext uri="{FF2B5EF4-FFF2-40B4-BE49-F238E27FC236}">
+                <a16:creationId xmlns:a16="http://schemas.microsoft.com/office/drawing/2014/main" id="{7B657E54-FB0B-9846-9D3A-5F4CAB62197F}"/>
+              </a:ext>
+            </a:extLst>
+          </p:cNvPr>
+          <p:cNvSpPr txBox="1">
+            <a:spLocks/>
+          </p:cNvSpPr>
+          <p:nvPr/>
+        </p:nvSpPr>
+        <p:spPr>
+          <a:xfrm>
+            <a:off x="6379134" y="10910127"/>
+            <a:ext cx="10163956" cy="2539914"/>
+          </a:xfrm>
+          <a:prstGeom prst="rect">
+            <a:avLst/>
+          </a:prstGeom>
+        </p:spPr>
+        <p:txBody>
+          <a:bodyPr vert="horz" lIns="182856" tIns="91428" rIns="182856" bIns="91428" rtlCol="0">
+            <a:normAutofit/>
+          </a:bodyPr>
+          <a:lstStyle>
+            <a:lvl1pPr marL="0" indent="0" algn="l" defTabSz="914400" rtl="0" eaLnBrk="1" latinLnBrk="0" hangingPunct="1">
+              <a:lnSpc>
+                <a:spcPct val="90000"/>
+              </a:lnSpc>
+              <a:spcBef>
+                <a:spcPts val="1200"/>
+              </a:spcBef>
+              <a:buClr>
+                <a:schemeClr val="accent1">
+                  <a:lumMod val="75000"/>
+                </a:schemeClr>
+              </a:buClr>
+              <a:buSzPct val="85000"/>
+              <a:buFont typeface="Wingdings" pitchFamily="2" charset="2"/>
+              <a:buNone/>
+              <a:defRPr sz="2200" kern="1200">
+                <a:solidFill>
+                  <a:schemeClr val="tx1"/>
+                </a:solidFill>
+                <a:latin typeface="+mn-lt"/>
+                <a:ea typeface="+mn-ea"/>
+                <a:cs typeface="+mn-cs"/>
+              </a:defRPr>
+            </a:lvl1pPr>
+            <a:lvl2pPr marL="457200" indent="0" algn="ctr" defTabSz="914400" rtl="0" eaLnBrk="1" latinLnBrk="0" hangingPunct="1">
+              <a:lnSpc>
+                <a:spcPct val="90000"/>
+              </a:lnSpc>
+              <a:spcBef>
+                <a:spcPts val="400"/>
+              </a:spcBef>
+              <a:spcAft>
+                <a:spcPts val="200"/>
+              </a:spcAft>
+              <a:buClr>
+                <a:schemeClr val="accent1">
+                  <a:lumMod val="75000"/>
+                </a:schemeClr>
+              </a:buClr>
+              <a:buSzPct val="85000"/>
+              <a:buFont typeface="Wingdings" pitchFamily="2" charset="2"/>
+              <a:buNone/>
+              <a:defRPr sz="2800" kern="1200">
+                <a:solidFill>
+                  <a:schemeClr val="tx1"/>
+                </a:solidFill>
+                <a:latin typeface="+mn-lt"/>
+                <a:ea typeface="+mn-ea"/>
+                <a:cs typeface="+mn-cs"/>
+              </a:defRPr>
+            </a:lvl2pPr>
+            <a:lvl3pPr marL="914400" indent="0" algn="ctr" defTabSz="914400" rtl="0" eaLnBrk="1" latinLnBrk="0" hangingPunct="1">
+              <a:lnSpc>
+                <a:spcPct val="90000"/>
+              </a:lnSpc>
+              <a:spcBef>
+                <a:spcPts val="400"/>
+              </a:spcBef>
+              <a:spcAft>
+                <a:spcPts val="200"/>
+              </a:spcAft>
+              <a:buClr>
+                <a:schemeClr val="accent1">
+                  <a:lumMod val="75000"/>
+                </a:schemeClr>
+              </a:buClr>
+              <a:buSzPct val="85000"/>
+              <a:buFont typeface="Wingdings" pitchFamily="2" charset="2"/>
+              <a:buNone/>
+              <a:defRPr sz="2400" kern="1200">
+                <a:solidFill>
+                  <a:schemeClr val="tx1"/>
+                </a:solidFill>
+                <a:latin typeface="+mn-lt"/>
+                <a:ea typeface="+mn-ea"/>
+                <a:cs typeface="+mn-cs"/>
+              </a:defRPr>
+            </a:lvl3pPr>
+            <a:lvl4pPr marL="1371600" indent="0" algn="ctr" defTabSz="914400" rtl="0" eaLnBrk="1" latinLnBrk="0" hangingPunct="1">
+              <a:lnSpc>
+                <a:spcPct val="90000"/>
+              </a:lnSpc>
+              <a:spcBef>
+                <a:spcPts val="400"/>
+              </a:spcBef>
+              <a:spcAft>
+                <a:spcPts val="200"/>
+              </a:spcAft>
+              <a:buClr>
+                <a:schemeClr val="accent1">
+                  <a:lumMod val="75000"/>
+                </a:schemeClr>
+              </a:buClr>
+              <a:buSzPct val="85000"/>
+              <a:buFont typeface="Wingdings" pitchFamily="2" charset="2"/>
+              <a:buNone/>
+              <a:defRPr sz="2000" kern="1200">
+                <a:solidFill>
+                  <a:schemeClr val="tx1"/>
+                </a:solidFill>
+                <a:latin typeface="+mn-lt"/>
+                <a:ea typeface="+mn-ea"/>
+                <a:cs typeface="+mn-cs"/>
+              </a:defRPr>
+            </a:lvl4pPr>
+            <a:lvl5pPr marL="1828800" indent="0" algn="ctr" defTabSz="914400" rtl="0" eaLnBrk="1" latinLnBrk="0" hangingPunct="1">
+              <a:lnSpc>
+                <a:spcPct val="90000"/>
+              </a:lnSpc>
+              <a:spcBef>
+                <a:spcPts val="400"/>
+              </a:spcBef>
+              <a:spcAft>
+                <a:spcPts val="200"/>
+              </a:spcAft>
+              <a:buClr>
+                <a:schemeClr val="accent1">
+                  <a:lumMod val="75000"/>
+                </a:schemeClr>
+              </a:buClr>
+              <a:buSzPct val="85000"/>
+              <a:buFont typeface="Wingdings" pitchFamily="2" charset="2"/>
+              <a:buNone/>
+              <a:defRPr sz="2000" kern="1200">
+                <a:solidFill>
+                  <a:schemeClr val="tx1"/>
+                </a:solidFill>
+                <a:latin typeface="+mn-lt"/>
+                <a:ea typeface="+mn-ea"/>
+                <a:cs typeface="+mn-cs"/>
+              </a:defRPr>
+            </a:lvl5pPr>
+            <a:lvl6pPr marL="2286000" indent="0" algn="ctr" defTabSz="914400" rtl="0" eaLnBrk="1" latinLnBrk="0" hangingPunct="1">
+              <a:lnSpc>
+                <a:spcPct val="90000"/>
+              </a:lnSpc>
+              <a:spcBef>
+                <a:spcPts val="400"/>
+              </a:spcBef>
+              <a:spcAft>
+                <a:spcPts val="200"/>
+              </a:spcAft>
+              <a:buClr>
+                <a:schemeClr val="accent1">
+                  <a:lumMod val="75000"/>
+                </a:schemeClr>
+              </a:buClr>
+              <a:buSzPct val="85000"/>
+              <a:buFont typeface="Wingdings" pitchFamily="2" charset="2"/>
+              <a:buNone/>
+              <a:defRPr sz="2000" kern="1200">
+                <a:solidFill>
+                  <a:schemeClr val="tx1"/>
+                </a:solidFill>
+                <a:latin typeface="+mn-lt"/>
+                <a:ea typeface="+mn-ea"/>
+                <a:cs typeface="+mn-cs"/>
+              </a:defRPr>
+            </a:lvl6pPr>
+            <a:lvl7pPr marL="2743200" indent="0" algn="ctr" defTabSz="914400" rtl="0" eaLnBrk="1" latinLnBrk="0" hangingPunct="1">
+              <a:lnSpc>
+                <a:spcPct val="90000"/>
+              </a:lnSpc>
+              <a:spcBef>
+                <a:spcPts val="400"/>
+              </a:spcBef>
+              <a:spcAft>
+                <a:spcPts val="200"/>
+              </a:spcAft>
+              <a:buClr>
+                <a:schemeClr val="accent1">
+                  <a:lumMod val="75000"/>
+                </a:schemeClr>
+              </a:buClr>
+              <a:buSzPct val="85000"/>
+              <a:buFont typeface="Wingdings" pitchFamily="2" charset="2"/>
+              <a:buNone/>
+              <a:defRPr sz="2000" kern="1200">
+                <a:solidFill>
+                  <a:schemeClr val="tx1"/>
+                </a:solidFill>
+                <a:latin typeface="+mn-lt"/>
+                <a:ea typeface="+mn-ea"/>
+                <a:cs typeface="+mn-cs"/>
+              </a:defRPr>
+            </a:lvl7pPr>
+            <a:lvl8pPr marL="3200400" indent="0" algn="ctr" defTabSz="914400" rtl="0" eaLnBrk="1" latinLnBrk="0" hangingPunct="1">
+              <a:lnSpc>
+                <a:spcPct val="90000"/>
+              </a:lnSpc>
+              <a:spcBef>
+                <a:spcPts val="400"/>
+              </a:spcBef>
+              <a:spcAft>
+                <a:spcPts val="200"/>
+              </a:spcAft>
+              <a:buClr>
+                <a:schemeClr val="accent1">
+                  <a:lumMod val="75000"/>
+                </a:schemeClr>
+              </a:buClr>
+              <a:buSzPct val="85000"/>
+              <a:buFont typeface="Wingdings" pitchFamily="2" charset="2"/>
+              <a:buNone/>
+              <a:defRPr sz="2000" kern="1200">
+                <a:solidFill>
+                  <a:schemeClr val="tx1"/>
+                </a:solidFill>
+                <a:latin typeface="+mn-lt"/>
+                <a:ea typeface="+mn-ea"/>
+                <a:cs typeface="+mn-cs"/>
+              </a:defRPr>
+            </a:lvl8pPr>
+            <a:lvl9pPr marL="3657600" indent="0" algn="ctr" defTabSz="914400" rtl="0" eaLnBrk="1" latinLnBrk="0" hangingPunct="1">
+              <a:lnSpc>
+                <a:spcPct val="90000"/>
+              </a:lnSpc>
+              <a:spcBef>
+                <a:spcPts val="400"/>
+              </a:spcBef>
+              <a:spcAft>
+                <a:spcPts val="200"/>
+              </a:spcAft>
+              <a:buClr>
+                <a:schemeClr val="accent1">
+                  <a:lumMod val="75000"/>
+                </a:schemeClr>
+              </a:buClr>
+              <a:buSzPct val="85000"/>
+              <a:buFont typeface="Wingdings" pitchFamily="2" charset="2"/>
+              <a:buNone/>
+              <a:defRPr sz="2000" kern="1200">
+                <a:solidFill>
+                  <a:schemeClr val="tx1"/>
+                </a:solidFill>
+                <a:latin typeface="+mn-lt"/>
+                <a:ea typeface="+mn-ea"/>
+                <a:cs typeface="+mn-cs"/>
+              </a:defRPr>
+            </a:lvl9pPr>
+          </a:lstStyle>
+          <a:p>
+            <a:endParaRPr lang="en-US" sz="4000" dirty="0">
+              <a:latin typeface="Arial" panose="020B0604020202020204" pitchFamily="34" charset="0"/>
+            </a:endParaRPr>
+          </a:p>
+        </p:txBody>
+      </p:sp>
+    </p:spTree>
+    <p:extLst>
+      <p:ext uri="{BB962C8B-B14F-4D97-AF65-F5344CB8AC3E}">
+        <p14:creationId xmlns:p14="http://schemas.microsoft.com/office/powerpoint/2010/main" val="2902049611"/>
+      </p:ext>
+    </p:extLst>
+  </p:cSld>
+  <p:clrMapOvr>
+    <a:masterClrMapping/>
+  </p:clrMapOvr>
+</p:sld>
+</file>
+
+<file path=ppt/slides/slide13.xml><?xml version="1.0" encoding="utf-8"?>
+<p:sld xmlns:a="http://schemas.openxmlformats.org/drawingml/2006/main" xmlns:r="http://schemas.openxmlformats.org/officeDocument/2006/relationships" xmlns:p="http://schemas.openxmlformats.org/presentationml/2006/main">
+  <p:cSld>
+    <p:bg>
+      <p:bgPr>
+        <a:solidFill>
+          <a:srgbClr val="AAAAAA"/>
+        </a:solidFill>
+        <a:effectLst/>
+      </p:bgPr>
+    </p:bg>
+    <p:spTree>
+      <p:nvGrpSpPr>
+        <p:cNvPr id="1" name=""/>
+        <p:cNvGrpSpPr/>
+        <p:nvPr/>
+      </p:nvGrpSpPr>
+      <p:grpSpPr>
+        <a:xfrm>
+          <a:off x="0" y="0"/>
+          <a:ext cx="0" cy="0"/>
+          <a:chOff x="0" y="0"/>
+          <a:chExt cx="0" cy="0"/>
+        </a:xfrm>
+      </p:grpSpPr>
+      <p:sp>
+        <p:nvSpPr>
+          <p:cNvPr id="4" name="Rectangle 3">
+            <a:extLst>
+              <a:ext uri="{FF2B5EF4-FFF2-40B4-BE49-F238E27FC236}">
+                <a16:creationId xmlns:a16="http://schemas.microsoft.com/office/drawing/2014/main" id="{8E3B8A65-8FC9-41F2-998D-6A0E4DAA3B8F}"/>
+              </a:ext>
+            </a:extLst>
+          </p:cNvPr>
+          <p:cNvSpPr/>
+          <p:nvPr/>
+        </p:nvSpPr>
+        <p:spPr>
+          <a:xfrm>
+            <a:off x="749150" y="2090050"/>
+            <a:ext cx="22880872" cy="8710077"/>
+          </a:xfrm>
+          <a:prstGeom prst="rect">
+            <a:avLst/>
+          </a:prstGeom>
+        </p:spPr>
+        <p:txBody>
+          <a:bodyPr wrap="square">
+            <a:spAutoFit/>
+          </a:bodyPr>
+          <a:lstStyle/>
+          <a:p>
+            <a:r>
+              <a:rPr lang="en-US" sz="8000" dirty="0">
+                <a:latin typeface="Arial" panose="020B0604020202020204" pitchFamily="34" charset="0"/>
+                <a:cs typeface="Arial" panose="020B0604020202020204" pitchFamily="34" charset="0"/>
+              </a:rPr>
+              <a:t>At the next stage, you will conduct a short practice run to make sure that the task is clear. </a:t>
+            </a:r>
+          </a:p>
+          <a:p>
+            <a:endParaRPr lang="en-US" sz="8000" dirty="0">
+              <a:latin typeface="Arial" panose="020B0604020202020204" pitchFamily="34" charset="0"/>
+              <a:cs typeface="Arial" panose="020B0604020202020204" pitchFamily="34" charset="0"/>
+            </a:endParaRPr>
+          </a:p>
+          <a:p>
+            <a:r>
+              <a:rPr lang="en-US" sz="8000" dirty="0">
+                <a:latin typeface="Arial" panose="020B0604020202020204" pitchFamily="34" charset="0"/>
+                <a:cs typeface="Arial" panose="020B0604020202020204" pitchFamily="34" charset="0"/>
+              </a:rPr>
+              <a:t>Remember – </a:t>
+            </a:r>
+            <a:r>
+              <a:rPr lang="en-GB" sz="8000" dirty="0">
+                <a:latin typeface="Arial" panose="020B0604020202020204" pitchFamily="34" charset="0"/>
+                <a:cs typeface="Arial" panose="020B0604020202020204" pitchFamily="34" charset="0"/>
+              </a:rPr>
+              <a:t>the goal here is to provide YOUR JUDGEMENT WHETHER THE PRESENTED PICTURE WAS OR WAS NOT </a:t>
+            </a:r>
+            <a:r>
+              <a:rPr lang="en-US" sz="8000" dirty="0">
+                <a:latin typeface="Arial" panose="020B0604020202020204" pitchFamily="34" charset="0"/>
+              </a:rPr>
+              <a:t>of the of the face sequence you just saw.</a:t>
+            </a:r>
+            <a:r>
+              <a:rPr lang="en-US" altLang="zh-CN" sz="8000" b="1" dirty="0">
+                <a:latin typeface="Arial" panose="020B0604020202020204" pitchFamily="34" charset="0"/>
+                <a:cs typeface="Arial" panose="020B0604020202020204" pitchFamily="34" charset="0"/>
+              </a:rPr>
+              <a:t> </a:t>
+            </a:r>
+            <a:endParaRPr lang="en-US" sz="8000" dirty="0">
+              <a:latin typeface="Arial" panose="020B0604020202020204" pitchFamily="34" charset="0"/>
+              <a:cs typeface="Arial" panose="020B0604020202020204" pitchFamily="34" charset="0"/>
+            </a:endParaRPr>
+          </a:p>
+        </p:txBody>
+      </p:sp>
+    </p:spTree>
+    <p:extLst>
+      <p:ext uri="{BB962C8B-B14F-4D97-AF65-F5344CB8AC3E}">
+        <p14:creationId xmlns:p14="http://schemas.microsoft.com/office/powerpoint/2010/main" val="3994942565"/>
+      </p:ext>
+    </p:extLst>
+  </p:cSld>
+  <p:clrMapOvr>
+    <a:masterClrMapping/>
+  </p:clrMapOvr>
+</p:sld>
+</file>
+
+<file path=ppt/slides/slide14.xml><?xml version="1.0" encoding="utf-8"?>
+<p:sld xmlns:a="http://schemas.openxmlformats.org/drawingml/2006/main" xmlns:r="http://schemas.openxmlformats.org/officeDocument/2006/relationships" xmlns:p="http://schemas.openxmlformats.org/presentationml/2006/main">
+  <p:cSld>
+    <p:bg>
+      <p:bgPr>
+        <a:solidFill>
+          <a:srgbClr val="AAAAAA"/>
+        </a:solidFill>
+        <a:effectLst/>
+      </p:bgPr>
+    </p:bg>
+    <p:spTree>
+      <p:nvGrpSpPr>
+        <p:cNvPr id="1" name=""/>
+        <p:cNvGrpSpPr/>
+        <p:nvPr/>
+      </p:nvGrpSpPr>
+      <p:grpSpPr>
+        <a:xfrm>
+          <a:off x="0" y="0"/>
+          <a:ext cx="0" cy="0"/>
+          <a:chOff x="0" y="0"/>
+          <a:chExt cx="0" cy="0"/>
+        </a:xfrm>
+      </p:grpSpPr>
+      <p:sp>
+        <p:nvSpPr>
+          <p:cNvPr id="7" name="Subtitle 2">
+            <a:extLst>
+              <a:ext uri="{FF2B5EF4-FFF2-40B4-BE49-F238E27FC236}">
+                <a16:creationId xmlns:a16="http://schemas.microsoft.com/office/drawing/2014/main" id="{CC037E10-DC8D-D843-90C5-908847AAAD97}"/>
+              </a:ext>
+            </a:extLst>
+          </p:cNvPr>
+          <p:cNvSpPr txBox="1">
+            <a:spLocks/>
+          </p:cNvSpPr>
+          <p:nvPr/>
+        </p:nvSpPr>
+        <p:spPr>
+          <a:xfrm>
+            <a:off x="1110916" y="697830"/>
+            <a:ext cx="22835936" cy="10911516"/>
+          </a:xfrm>
+          <a:prstGeom prst="rect">
+            <a:avLst/>
+          </a:prstGeom>
+        </p:spPr>
+        <p:txBody>
+          <a:bodyPr vert="horz" lIns="182856" tIns="91428" rIns="182856" bIns="91428" rtlCol="0">
+            <a:noAutofit/>
+          </a:bodyPr>
+          <a:lstStyle>
+            <a:lvl1pPr marL="0" indent="0" algn="l" defTabSz="914400" rtl="0" eaLnBrk="1" latinLnBrk="0" hangingPunct="1">
+              <a:lnSpc>
+                <a:spcPct val="90000"/>
+              </a:lnSpc>
+              <a:spcBef>
+                <a:spcPts val="1200"/>
+              </a:spcBef>
+              <a:buClr>
+                <a:schemeClr val="accent1">
+                  <a:lumMod val="75000"/>
+                </a:schemeClr>
+              </a:buClr>
+              <a:buSzPct val="85000"/>
+              <a:buFont typeface="Wingdings" pitchFamily="2" charset="2"/>
+              <a:buNone/>
+              <a:defRPr sz="2200" kern="1200">
+                <a:solidFill>
+                  <a:schemeClr val="tx1"/>
+                </a:solidFill>
+                <a:latin typeface="+mn-lt"/>
+                <a:ea typeface="+mn-ea"/>
+                <a:cs typeface="+mn-cs"/>
+              </a:defRPr>
+            </a:lvl1pPr>
+            <a:lvl2pPr marL="457200" indent="0" algn="ctr" defTabSz="914400" rtl="0" eaLnBrk="1" latinLnBrk="0" hangingPunct="1">
+              <a:lnSpc>
+                <a:spcPct val="90000"/>
+              </a:lnSpc>
+              <a:spcBef>
+                <a:spcPts val="400"/>
+              </a:spcBef>
+              <a:spcAft>
+                <a:spcPts val="200"/>
+              </a:spcAft>
+              <a:buClr>
+                <a:schemeClr val="accent1">
+                  <a:lumMod val="75000"/>
+                </a:schemeClr>
+              </a:buClr>
+              <a:buSzPct val="85000"/>
+              <a:buFont typeface="Wingdings" pitchFamily="2" charset="2"/>
+              <a:buNone/>
+              <a:defRPr sz="2800" kern="1200">
+                <a:solidFill>
+                  <a:schemeClr val="tx1"/>
+                </a:solidFill>
+                <a:latin typeface="+mn-lt"/>
+                <a:ea typeface="+mn-ea"/>
+                <a:cs typeface="+mn-cs"/>
+              </a:defRPr>
+            </a:lvl2pPr>
+            <a:lvl3pPr marL="914400" indent="0" algn="ctr" defTabSz="914400" rtl="0" eaLnBrk="1" latinLnBrk="0" hangingPunct="1">
+              <a:lnSpc>
+                <a:spcPct val="90000"/>
+              </a:lnSpc>
+              <a:spcBef>
+                <a:spcPts val="400"/>
+              </a:spcBef>
+              <a:spcAft>
+                <a:spcPts val="200"/>
+              </a:spcAft>
+              <a:buClr>
+                <a:schemeClr val="accent1">
+                  <a:lumMod val="75000"/>
+                </a:schemeClr>
+              </a:buClr>
+              <a:buSzPct val="85000"/>
+              <a:buFont typeface="Wingdings" pitchFamily="2" charset="2"/>
+              <a:buNone/>
+              <a:defRPr sz="2400" kern="1200">
+                <a:solidFill>
+                  <a:schemeClr val="tx1"/>
+                </a:solidFill>
+                <a:latin typeface="+mn-lt"/>
+                <a:ea typeface="+mn-ea"/>
+                <a:cs typeface="+mn-cs"/>
+              </a:defRPr>
+            </a:lvl3pPr>
+            <a:lvl4pPr marL="1371600" indent="0" algn="ctr" defTabSz="914400" rtl="0" eaLnBrk="1" latinLnBrk="0" hangingPunct="1">
+              <a:lnSpc>
+                <a:spcPct val="90000"/>
+              </a:lnSpc>
+              <a:spcBef>
+                <a:spcPts val="400"/>
+              </a:spcBef>
+              <a:spcAft>
+                <a:spcPts val="200"/>
+              </a:spcAft>
+              <a:buClr>
+                <a:schemeClr val="accent1">
+                  <a:lumMod val="75000"/>
+                </a:schemeClr>
+              </a:buClr>
+              <a:buSzPct val="85000"/>
+              <a:buFont typeface="Wingdings" pitchFamily="2" charset="2"/>
+              <a:buNone/>
+              <a:defRPr sz="2000" kern="1200">
+                <a:solidFill>
+                  <a:schemeClr val="tx1"/>
+                </a:solidFill>
+                <a:latin typeface="+mn-lt"/>
+                <a:ea typeface="+mn-ea"/>
+                <a:cs typeface="+mn-cs"/>
+              </a:defRPr>
+            </a:lvl4pPr>
+            <a:lvl5pPr marL="1828800" indent="0" algn="ctr" defTabSz="914400" rtl="0" eaLnBrk="1" latinLnBrk="0" hangingPunct="1">
+              <a:lnSpc>
+                <a:spcPct val="90000"/>
+              </a:lnSpc>
+              <a:spcBef>
+                <a:spcPts val="400"/>
+              </a:spcBef>
+              <a:spcAft>
+                <a:spcPts val="200"/>
+              </a:spcAft>
+              <a:buClr>
+                <a:schemeClr val="accent1">
+                  <a:lumMod val="75000"/>
+                </a:schemeClr>
+              </a:buClr>
+              <a:buSzPct val="85000"/>
+              <a:buFont typeface="Wingdings" pitchFamily="2" charset="2"/>
+              <a:buNone/>
+              <a:defRPr sz="2000" kern="1200">
+                <a:solidFill>
+                  <a:schemeClr val="tx1"/>
+                </a:solidFill>
+                <a:latin typeface="+mn-lt"/>
+                <a:ea typeface="+mn-ea"/>
+                <a:cs typeface="+mn-cs"/>
+              </a:defRPr>
+            </a:lvl5pPr>
+            <a:lvl6pPr marL="2286000" indent="0" algn="ctr" defTabSz="914400" rtl="0" eaLnBrk="1" latinLnBrk="0" hangingPunct="1">
+              <a:lnSpc>
+                <a:spcPct val="90000"/>
+              </a:lnSpc>
+              <a:spcBef>
+                <a:spcPts val="400"/>
+              </a:spcBef>
+              <a:spcAft>
+                <a:spcPts val="200"/>
+              </a:spcAft>
+              <a:buClr>
+                <a:schemeClr val="accent1">
+                  <a:lumMod val="75000"/>
+                </a:schemeClr>
+              </a:buClr>
+              <a:buSzPct val="85000"/>
+              <a:buFont typeface="Wingdings" pitchFamily="2" charset="2"/>
+              <a:buNone/>
+              <a:defRPr sz="2000" kern="1200">
+                <a:solidFill>
+                  <a:schemeClr val="tx1"/>
+                </a:solidFill>
+                <a:latin typeface="+mn-lt"/>
+                <a:ea typeface="+mn-ea"/>
+                <a:cs typeface="+mn-cs"/>
+              </a:defRPr>
+            </a:lvl6pPr>
+            <a:lvl7pPr marL="2743200" indent="0" algn="ctr" defTabSz="914400" rtl="0" eaLnBrk="1" latinLnBrk="0" hangingPunct="1">
+              <a:lnSpc>
+                <a:spcPct val="90000"/>
+              </a:lnSpc>
+              <a:spcBef>
+                <a:spcPts val="400"/>
+              </a:spcBef>
+              <a:spcAft>
+                <a:spcPts val="200"/>
+              </a:spcAft>
+              <a:buClr>
+                <a:schemeClr val="accent1">
+                  <a:lumMod val="75000"/>
+                </a:schemeClr>
+              </a:buClr>
+              <a:buSzPct val="85000"/>
+              <a:buFont typeface="Wingdings" pitchFamily="2" charset="2"/>
+              <a:buNone/>
+              <a:defRPr sz="2000" kern="1200">
+                <a:solidFill>
+                  <a:schemeClr val="tx1"/>
+                </a:solidFill>
+                <a:latin typeface="+mn-lt"/>
+                <a:ea typeface="+mn-ea"/>
+                <a:cs typeface="+mn-cs"/>
+              </a:defRPr>
+            </a:lvl7pPr>
+            <a:lvl8pPr marL="3200400" indent="0" algn="ctr" defTabSz="914400" rtl="0" eaLnBrk="1" latinLnBrk="0" hangingPunct="1">
+              <a:lnSpc>
+                <a:spcPct val="90000"/>
+              </a:lnSpc>
+              <a:spcBef>
+                <a:spcPts val="400"/>
+              </a:spcBef>
+              <a:spcAft>
+                <a:spcPts val="200"/>
+              </a:spcAft>
+              <a:buClr>
+                <a:schemeClr val="accent1">
+                  <a:lumMod val="75000"/>
+                </a:schemeClr>
+              </a:buClr>
+              <a:buSzPct val="85000"/>
+              <a:buFont typeface="Wingdings" pitchFamily="2" charset="2"/>
+              <a:buNone/>
+              <a:defRPr sz="2000" kern="1200">
+                <a:solidFill>
+                  <a:schemeClr val="tx1"/>
+                </a:solidFill>
+                <a:latin typeface="+mn-lt"/>
+                <a:ea typeface="+mn-ea"/>
+                <a:cs typeface="+mn-cs"/>
+              </a:defRPr>
+            </a:lvl8pPr>
+            <a:lvl9pPr marL="3657600" indent="0" algn="ctr" defTabSz="914400" rtl="0" eaLnBrk="1" latinLnBrk="0" hangingPunct="1">
+              <a:lnSpc>
+                <a:spcPct val="90000"/>
+              </a:lnSpc>
+              <a:spcBef>
+                <a:spcPts val="400"/>
+              </a:spcBef>
+              <a:spcAft>
+                <a:spcPts val="200"/>
+              </a:spcAft>
+              <a:buClr>
+                <a:schemeClr val="accent1">
+                  <a:lumMod val="75000"/>
+                </a:schemeClr>
+              </a:buClr>
+              <a:buSzPct val="85000"/>
+              <a:buFont typeface="Wingdings" pitchFamily="2" charset="2"/>
+              <a:buNone/>
+              <a:defRPr sz="2000" kern="1200">
+                <a:solidFill>
+                  <a:schemeClr val="tx1"/>
+                </a:solidFill>
+                <a:latin typeface="+mn-lt"/>
+                <a:ea typeface="+mn-ea"/>
+                <a:cs typeface="+mn-cs"/>
+              </a:defRPr>
+            </a:lvl9pPr>
+          </a:lstStyle>
+          <a:p>
+            <a:r>
+              <a:rPr lang="en-US" sz="7200" dirty="0">
+                <a:latin typeface="Arial" panose="020B0604020202020204" pitchFamily="34" charset="0"/>
+                <a:cs typeface="Arial" panose="020B0604020202020204" pitchFamily="34" charset="0"/>
+              </a:rPr>
+              <a:t>Thank you for completing the practice stage. </a:t>
+            </a:r>
+          </a:p>
+          <a:p>
+            <a:r>
+              <a:rPr lang="en-US" sz="7200" dirty="0">
+                <a:latin typeface="Arial" panose="020B0604020202020204" pitchFamily="34" charset="0"/>
+                <a:cs typeface="Arial" panose="020B0604020202020204" pitchFamily="34" charset="0"/>
+              </a:rPr>
+              <a:t>Remember – </a:t>
+            </a:r>
+            <a:r>
+              <a:rPr lang="en-GB" sz="7200" dirty="0">
+                <a:latin typeface="Arial" panose="020B0604020202020204" pitchFamily="34" charset="0"/>
+                <a:cs typeface="Arial" panose="020B0604020202020204" pitchFamily="34" charset="0"/>
+              </a:rPr>
+              <a:t>the goal here is to provide YOUR JUDGEMENT </a:t>
+            </a:r>
+            <a:r>
+              <a:rPr lang="en-GB" sz="7200" dirty="0">
+                <a:solidFill>
+                  <a:srgbClr val="FF0000"/>
+                </a:solidFill>
+                <a:latin typeface="Arial" panose="020B0604020202020204" pitchFamily="34" charset="0"/>
+                <a:cs typeface="Arial" panose="020B0604020202020204" pitchFamily="34" charset="0"/>
+              </a:rPr>
+              <a:t>WHETHER THE PRESENTED PICTURE WAS OR WAS NOT</a:t>
+            </a:r>
+            <a:r>
+              <a:rPr lang="en-GB" sz="7200" dirty="0">
+                <a:latin typeface="Arial" panose="020B0604020202020204" pitchFamily="34" charset="0"/>
+                <a:cs typeface="Arial" panose="020B0604020202020204" pitchFamily="34" charset="0"/>
+              </a:rPr>
+              <a:t> </a:t>
+            </a:r>
+            <a:r>
+              <a:rPr lang="en-US" sz="7200" dirty="0">
+                <a:latin typeface="Arial" panose="020B0604020202020204" pitchFamily="34" charset="0"/>
+              </a:rPr>
+              <a:t>of the face sequence you just saw.</a:t>
+            </a:r>
+            <a:r>
+              <a:rPr lang="en-US" altLang="zh-CN" sz="7200" b="1" dirty="0">
+                <a:latin typeface="Arial" panose="020B0604020202020204" pitchFamily="34" charset="0"/>
+                <a:cs typeface="Arial" panose="020B0604020202020204" pitchFamily="34" charset="0"/>
+              </a:rPr>
+              <a:t> </a:t>
+            </a:r>
+            <a:endParaRPr lang="en-US" sz="7200" dirty="0">
+              <a:latin typeface="Arial" panose="020B0604020202020204" pitchFamily="34" charset="0"/>
+              <a:cs typeface="Arial" panose="020B0604020202020204" pitchFamily="34" charset="0"/>
+            </a:endParaRPr>
+          </a:p>
+          <a:p>
+            <a:endParaRPr lang="en-US" sz="7200" dirty="0">
+              <a:latin typeface="Arial" panose="020B0604020202020204" pitchFamily="34" charset="0"/>
+              <a:ea typeface="+mj-ea"/>
+              <a:cs typeface="+mj-cs"/>
+            </a:endParaRPr>
+          </a:p>
+          <a:p>
+            <a:r>
+              <a:rPr lang="en-GB" sz="7200" dirty="0">
+                <a:latin typeface="Arial" panose="020B0604020202020204" pitchFamily="34" charset="0"/>
+                <a:ea typeface="+mj-ea"/>
+                <a:cs typeface="+mj-cs"/>
+              </a:rPr>
+              <a:t>In the following section you will complete the actual session, which consists of 15 trials. </a:t>
+            </a:r>
+            <a:r>
+              <a:rPr lang="en-GB" sz="7200">
+                <a:latin typeface="Arial" panose="020B0604020202020204" pitchFamily="34" charset="0"/>
+                <a:ea typeface="+mj-ea"/>
+                <a:cs typeface="+mj-cs"/>
+              </a:rPr>
+              <a:t>This part of the study should take 7 minutes, more or less. </a:t>
+            </a:r>
+          </a:p>
+          <a:p>
+            <a:endParaRPr lang="en-US" sz="7200" dirty="0">
+              <a:latin typeface="Arial" panose="020B0604020202020204" pitchFamily="34" charset="0"/>
+              <a:ea typeface="+mj-ea"/>
+              <a:cs typeface="+mj-cs"/>
+            </a:endParaRPr>
+          </a:p>
+          <a:p>
+            <a:r>
+              <a:rPr lang="en-US" altLang="zh-CN" sz="7200" dirty="0">
+                <a:latin typeface="Arial" panose="020B0604020202020204" pitchFamily="34" charset="0"/>
+                <a:ea typeface="+mj-ea"/>
+                <a:cs typeface="+mj-cs"/>
+              </a:rPr>
+              <a:t>Click</a:t>
+            </a:r>
+            <a:r>
+              <a:rPr lang="zh-CN" altLang="en-US" sz="7200" dirty="0">
+                <a:latin typeface="Arial" panose="020B0604020202020204" pitchFamily="34" charset="0"/>
+                <a:ea typeface="+mj-ea"/>
+                <a:cs typeface="+mj-cs"/>
+              </a:rPr>
+              <a:t> </a:t>
+            </a:r>
+            <a:r>
+              <a:rPr lang="en-US" altLang="zh-CN" sz="7200" dirty="0">
+                <a:latin typeface="Arial" panose="020B0604020202020204" pitchFamily="34" charset="0"/>
+                <a:ea typeface="+mj-ea"/>
+                <a:cs typeface="+mj-cs"/>
+              </a:rPr>
+              <a:t>‘Continue’</a:t>
+            </a:r>
+            <a:r>
+              <a:rPr lang="zh-CN" altLang="en-US" sz="7200" dirty="0">
+                <a:latin typeface="Arial" panose="020B0604020202020204" pitchFamily="34" charset="0"/>
+                <a:ea typeface="+mj-ea"/>
+                <a:cs typeface="+mj-cs"/>
+              </a:rPr>
+              <a:t> </a:t>
+            </a:r>
+            <a:r>
+              <a:rPr lang="en-US" altLang="zh-CN" sz="7200" dirty="0">
+                <a:latin typeface="Arial" panose="020B0604020202020204" pitchFamily="34" charset="0"/>
+                <a:ea typeface="+mj-ea"/>
+                <a:cs typeface="+mj-cs"/>
+              </a:rPr>
+              <a:t>to</a:t>
+            </a:r>
+            <a:r>
+              <a:rPr lang="zh-CN" altLang="en-US" sz="7200" dirty="0">
+                <a:latin typeface="Arial" panose="020B0604020202020204" pitchFamily="34" charset="0"/>
+                <a:ea typeface="+mj-ea"/>
+                <a:cs typeface="+mj-cs"/>
+              </a:rPr>
+              <a:t> </a:t>
+            </a:r>
+            <a:r>
+              <a:rPr lang="en-US" altLang="zh-CN" sz="7200" dirty="0">
+                <a:latin typeface="Arial" panose="020B0604020202020204" pitchFamily="34" charset="0"/>
+                <a:ea typeface="+mj-ea"/>
+                <a:cs typeface="+mj-cs"/>
+              </a:rPr>
+              <a:t>begin the actual task. </a:t>
+            </a:r>
+            <a:endParaRPr lang="en-US" sz="7200" dirty="0">
+              <a:latin typeface="Arial" panose="020B0604020202020204" pitchFamily="34" charset="0"/>
+              <a:ea typeface="+mj-ea"/>
+              <a:cs typeface="+mj-cs"/>
+            </a:endParaRPr>
+          </a:p>
+        </p:txBody>
+      </p:sp>
+    </p:spTree>
+    <p:extLst>
+      <p:ext uri="{BB962C8B-B14F-4D97-AF65-F5344CB8AC3E}">
+        <p14:creationId xmlns:p14="http://schemas.microsoft.com/office/powerpoint/2010/main" val="771319975"/>
+      </p:ext>
+    </p:extLst>
+  </p:cSld>
+  <p:clrMapOvr>
+    <a:masterClrMapping/>
+  </p:clrMapOvr>
+</p:sld>
+</file>
+
+<file path=ppt/slides/slide15.xml><?xml version="1.0" encoding="utf-8"?>
+<p:sld xmlns:a="http://schemas.openxmlformats.org/drawingml/2006/main" xmlns:r="http://schemas.openxmlformats.org/officeDocument/2006/relationships" xmlns:p="http://schemas.openxmlformats.org/presentationml/2006/main">
+  <p:cSld>
+    <p:bg>
+      <p:bgPr>
+        <a:solidFill>
+          <a:srgbClr val="AAAAAA"/>
+        </a:solidFill>
+        <a:effectLst/>
+      </p:bgPr>
+    </p:bg>
+    <p:spTree>
+      <p:nvGrpSpPr>
+        <p:cNvPr id="1" name=""/>
+        <p:cNvGrpSpPr/>
+        <p:nvPr/>
+      </p:nvGrpSpPr>
+      <p:grpSpPr>
+        <a:xfrm>
+          <a:off x="0" y="0"/>
+          <a:ext cx="0" cy="0"/>
+          <a:chOff x="0" y="0"/>
+          <a:chExt cx="0" cy="0"/>
+        </a:xfrm>
+      </p:grpSpPr>
+      <p:sp>
+        <p:nvSpPr>
+          <p:cNvPr id="7" name="Subtitle 2">
+            <a:extLst>
+              <a:ext uri="{FF2B5EF4-FFF2-40B4-BE49-F238E27FC236}">
+                <a16:creationId xmlns:a16="http://schemas.microsoft.com/office/drawing/2014/main" id="{CC037E10-DC8D-D843-90C5-908847AAAD97}"/>
+              </a:ext>
+            </a:extLst>
+          </p:cNvPr>
+          <p:cNvSpPr txBox="1">
+            <a:spLocks/>
+          </p:cNvSpPr>
+          <p:nvPr/>
+        </p:nvSpPr>
+        <p:spPr>
+          <a:xfrm>
+            <a:off x="58776" y="2309417"/>
+            <a:ext cx="24325224" cy="10911515"/>
+          </a:xfrm>
+          <a:prstGeom prst="rect">
+            <a:avLst/>
+          </a:prstGeom>
+        </p:spPr>
+        <p:txBody>
+          <a:bodyPr vert="horz" lIns="182856" tIns="91428" rIns="182856" bIns="91428" rtlCol="0">
+            <a:noAutofit/>
+          </a:bodyPr>
+          <a:lstStyle>
+            <a:lvl1pPr marL="0" indent="0" algn="l" defTabSz="914400" rtl="0" eaLnBrk="1" latinLnBrk="0" hangingPunct="1">
+              <a:lnSpc>
+                <a:spcPct val="90000"/>
+              </a:lnSpc>
+              <a:spcBef>
+                <a:spcPts val="1200"/>
+              </a:spcBef>
+              <a:buClr>
+                <a:schemeClr val="accent1">
+                  <a:lumMod val="75000"/>
+                </a:schemeClr>
+              </a:buClr>
+              <a:buSzPct val="85000"/>
+              <a:buFont typeface="Wingdings" pitchFamily="2" charset="2"/>
+              <a:buNone/>
+              <a:defRPr sz="2200" kern="1200">
+                <a:solidFill>
+                  <a:schemeClr val="tx1"/>
+                </a:solidFill>
+                <a:latin typeface="+mn-lt"/>
+                <a:ea typeface="+mn-ea"/>
+                <a:cs typeface="+mn-cs"/>
+              </a:defRPr>
+            </a:lvl1pPr>
+            <a:lvl2pPr marL="457200" indent="0" algn="ctr" defTabSz="914400" rtl="0" eaLnBrk="1" latinLnBrk="0" hangingPunct="1">
+              <a:lnSpc>
+                <a:spcPct val="90000"/>
+              </a:lnSpc>
+              <a:spcBef>
+                <a:spcPts val="400"/>
+              </a:spcBef>
+              <a:spcAft>
+                <a:spcPts val="200"/>
+              </a:spcAft>
+              <a:buClr>
+                <a:schemeClr val="accent1">
+                  <a:lumMod val="75000"/>
+                </a:schemeClr>
+              </a:buClr>
+              <a:buSzPct val="85000"/>
+              <a:buFont typeface="Wingdings" pitchFamily="2" charset="2"/>
+              <a:buNone/>
+              <a:defRPr sz="2800" kern="1200">
+                <a:solidFill>
+                  <a:schemeClr val="tx1"/>
+                </a:solidFill>
+                <a:latin typeface="+mn-lt"/>
+                <a:ea typeface="+mn-ea"/>
+                <a:cs typeface="+mn-cs"/>
+              </a:defRPr>
+            </a:lvl2pPr>
+            <a:lvl3pPr marL="914400" indent="0" algn="ctr" defTabSz="914400" rtl="0" eaLnBrk="1" latinLnBrk="0" hangingPunct="1">
+              <a:lnSpc>
+                <a:spcPct val="90000"/>
+              </a:lnSpc>
+              <a:spcBef>
+                <a:spcPts val="400"/>
+              </a:spcBef>
+              <a:spcAft>
+                <a:spcPts val="200"/>
+              </a:spcAft>
+              <a:buClr>
+                <a:schemeClr val="accent1">
+                  <a:lumMod val="75000"/>
+                </a:schemeClr>
+              </a:buClr>
+              <a:buSzPct val="85000"/>
+              <a:buFont typeface="Wingdings" pitchFamily="2" charset="2"/>
+              <a:buNone/>
+              <a:defRPr sz="2400" kern="1200">
+                <a:solidFill>
+                  <a:schemeClr val="tx1"/>
+                </a:solidFill>
+                <a:latin typeface="+mn-lt"/>
+                <a:ea typeface="+mn-ea"/>
+                <a:cs typeface="+mn-cs"/>
+              </a:defRPr>
+            </a:lvl3pPr>
+            <a:lvl4pPr marL="1371600" indent="0" algn="ctr" defTabSz="914400" rtl="0" eaLnBrk="1" latinLnBrk="0" hangingPunct="1">
+              <a:lnSpc>
+                <a:spcPct val="90000"/>
+              </a:lnSpc>
+              <a:spcBef>
+                <a:spcPts val="400"/>
+              </a:spcBef>
+              <a:spcAft>
+                <a:spcPts val="200"/>
+              </a:spcAft>
+              <a:buClr>
+                <a:schemeClr val="accent1">
+                  <a:lumMod val="75000"/>
+                </a:schemeClr>
+              </a:buClr>
+              <a:buSzPct val="85000"/>
+              <a:buFont typeface="Wingdings" pitchFamily="2" charset="2"/>
+              <a:buNone/>
+              <a:defRPr sz="2000" kern="1200">
+                <a:solidFill>
+                  <a:schemeClr val="tx1"/>
+                </a:solidFill>
+                <a:latin typeface="+mn-lt"/>
+                <a:ea typeface="+mn-ea"/>
+                <a:cs typeface="+mn-cs"/>
+              </a:defRPr>
+            </a:lvl4pPr>
+            <a:lvl5pPr marL="1828800" indent="0" algn="ctr" defTabSz="914400" rtl="0" eaLnBrk="1" latinLnBrk="0" hangingPunct="1">
+              <a:lnSpc>
+                <a:spcPct val="90000"/>
+              </a:lnSpc>
+              <a:spcBef>
+                <a:spcPts val="400"/>
+              </a:spcBef>
+              <a:spcAft>
+                <a:spcPts val="200"/>
+              </a:spcAft>
+              <a:buClr>
+                <a:schemeClr val="accent1">
+                  <a:lumMod val="75000"/>
+                </a:schemeClr>
+              </a:buClr>
+              <a:buSzPct val="85000"/>
+              <a:buFont typeface="Wingdings" pitchFamily="2" charset="2"/>
+              <a:buNone/>
+              <a:defRPr sz="2000" kern="1200">
+                <a:solidFill>
+                  <a:schemeClr val="tx1"/>
+                </a:solidFill>
+                <a:latin typeface="+mn-lt"/>
+                <a:ea typeface="+mn-ea"/>
+                <a:cs typeface="+mn-cs"/>
+              </a:defRPr>
+            </a:lvl5pPr>
+            <a:lvl6pPr marL="2286000" indent="0" algn="ctr" defTabSz="914400" rtl="0" eaLnBrk="1" latinLnBrk="0" hangingPunct="1">
+              <a:lnSpc>
+                <a:spcPct val="90000"/>
+              </a:lnSpc>
+              <a:spcBef>
+                <a:spcPts val="400"/>
+              </a:spcBef>
+              <a:spcAft>
+                <a:spcPts val="200"/>
+              </a:spcAft>
+              <a:buClr>
+                <a:schemeClr val="accent1">
+                  <a:lumMod val="75000"/>
+                </a:schemeClr>
+              </a:buClr>
+              <a:buSzPct val="85000"/>
+              <a:buFont typeface="Wingdings" pitchFamily="2" charset="2"/>
+              <a:buNone/>
+              <a:defRPr sz="2000" kern="1200">
+                <a:solidFill>
+                  <a:schemeClr val="tx1"/>
+                </a:solidFill>
+                <a:latin typeface="+mn-lt"/>
+                <a:ea typeface="+mn-ea"/>
+                <a:cs typeface="+mn-cs"/>
+              </a:defRPr>
+            </a:lvl6pPr>
+            <a:lvl7pPr marL="2743200" indent="0" algn="ctr" defTabSz="914400" rtl="0" eaLnBrk="1" latinLnBrk="0" hangingPunct="1">
+              <a:lnSpc>
+                <a:spcPct val="90000"/>
+              </a:lnSpc>
+              <a:spcBef>
+                <a:spcPts val="400"/>
+              </a:spcBef>
+              <a:spcAft>
+                <a:spcPts val="200"/>
+              </a:spcAft>
+              <a:buClr>
+                <a:schemeClr val="accent1">
+                  <a:lumMod val="75000"/>
+                </a:schemeClr>
+              </a:buClr>
+              <a:buSzPct val="85000"/>
+              <a:buFont typeface="Wingdings" pitchFamily="2" charset="2"/>
+              <a:buNone/>
+              <a:defRPr sz="2000" kern="1200">
+                <a:solidFill>
+                  <a:schemeClr val="tx1"/>
+                </a:solidFill>
+                <a:latin typeface="+mn-lt"/>
+                <a:ea typeface="+mn-ea"/>
+                <a:cs typeface="+mn-cs"/>
+              </a:defRPr>
+            </a:lvl7pPr>
+            <a:lvl8pPr marL="3200400" indent="0" algn="ctr" defTabSz="914400" rtl="0" eaLnBrk="1" latinLnBrk="0" hangingPunct="1">
+              <a:lnSpc>
+                <a:spcPct val="90000"/>
+              </a:lnSpc>
+              <a:spcBef>
+                <a:spcPts val="400"/>
+              </a:spcBef>
+              <a:spcAft>
+                <a:spcPts val="200"/>
+              </a:spcAft>
+              <a:buClr>
+                <a:schemeClr val="accent1">
+                  <a:lumMod val="75000"/>
+                </a:schemeClr>
+              </a:buClr>
+              <a:buSzPct val="85000"/>
+              <a:buFont typeface="Wingdings" pitchFamily="2" charset="2"/>
+              <a:buNone/>
+              <a:defRPr sz="2000" kern="1200">
+                <a:solidFill>
+                  <a:schemeClr val="tx1"/>
+                </a:solidFill>
+                <a:latin typeface="+mn-lt"/>
+                <a:ea typeface="+mn-ea"/>
+                <a:cs typeface="+mn-cs"/>
+              </a:defRPr>
+            </a:lvl8pPr>
+            <a:lvl9pPr marL="3657600" indent="0" algn="ctr" defTabSz="914400" rtl="0" eaLnBrk="1" latinLnBrk="0" hangingPunct="1">
+              <a:lnSpc>
+                <a:spcPct val="90000"/>
+              </a:lnSpc>
+              <a:spcBef>
+                <a:spcPts val="400"/>
+              </a:spcBef>
+              <a:spcAft>
+                <a:spcPts val="200"/>
+              </a:spcAft>
+              <a:buClr>
+                <a:schemeClr val="accent1">
+                  <a:lumMod val="75000"/>
+                </a:schemeClr>
+              </a:buClr>
+              <a:buSzPct val="85000"/>
+              <a:buFont typeface="Wingdings" pitchFamily="2" charset="2"/>
+              <a:buNone/>
+              <a:defRPr sz="2000" kern="1200">
+                <a:solidFill>
+                  <a:schemeClr val="tx1"/>
+                </a:solidFill>
+                <a:latin typeface="+mn-lt"/>
+                <a:ea typeface="+mn-ea"/>
+                <a:cs typeface="+mn-cs"/>
+              </a:defRPr>
+            </a:lvl9pPr>
+          </a:lstStyle>
+          <a:p>
+            <a:pPr algn="ctr"/>
+            <a:r>
+              <a:rPr lang="en-US" sz="7200" dirty="0">
+                <a:latin typeface="Arial" panose="020B0604020202020204" pitchFamily="34" charset="0"/>
+                <a:cs typeface="Arial" panose="020B0604020202020204" pitchFamily="34" charset="0"/>
+              </a:rPr>
+              <a:t>You've completed the task.</a:t>
+            </a:r>
+          </a:p>
+          <a:p>
+            <a:pPr algn="ctr"/>
+            <a:endParaRPr lang="en-US" sz="7200" dirty="0">
+              <a:latin typeface="Arial" panose="020B0604020202020204" pitchFamily="34" charset="0"/>
+              <a:cs typeface="Arial" panose="020B0604020202020204" pitchFamily="34" charset="0"/>
+            </a:endParaRPr>
+          </a:p>
+          <a:p>
+            <a:pPr algn="ctr"/>
+            <a:endParaRPr lang="en-US" sz="7200" dirty="0">
+              <a:latin typeface="Arial" panose="020B0604020202020204" pitchFamily="34" charset="0"/>
+              <a:cs typeface="Arial" panose="020B0604020202020204" pitchFamily="34" charset="0"/>
+            </a:endParaRPr>
+          </a:p>
+          <a:p>
+            <a:pPr algn="ctr"/>
+            <a:r>
+              <a:rPr lang="en-US" sz="7200" dirty="0">
+                <a:latin typeface="Arial" panose="020B0604020202020204" pitchFamily="34" charset="0"/>
+                <a:cs typeface="Arial" panose="020B0604020202020204" pitchFamily="34" charset="0"/>
+              </a:rPr>
+              <a:t>Thank you for your participation</a:t>
+            </a:r>
+            <a:r>
+              <a:rPr lang="en-US" altLang="zh-CN" sz="7200" dirty="0">
+                <a:latin typeface="Arial" panose="020B0604020202020204" pitchFamily="34" charset="0"/>
+                <a:cs typeface="Arial" panose="020B0604020202020204" pitchFamily="34" charset="0"/>
+              </a:rPr>
+              <a:t>.</a:t>
+            </a:r>
+            <a:endParaRPr lang="en-US" sz="7200" dirty="0">
+              <a:latin typeface="Arial" panose="020B0604020202020204" pitchFamily="34" charset="0"/>
+              <a:cs typeface="Arial" panose="020B0604020202020204" pitchFamily="34" charset="0"/>
+            </a:endParaRPr>
+          </a:p>
+          <a:p>
+            <a:pPr algn="ctr"/>
+            <a:endParaRPr lang="en-US" sz="7200" dirty="0">
+              <a:latin typeface="Arial" panose="020B0604020202020204" pitchFamily="34" charset="0"/>
+              <a:cs typeface="Arial" panose="020B0604020202020204" pitchFamily="34" charset="0"/>
+            </a:endParaRPr>
+          </a:p>
+          <a:p>
+            <a:pPr algn="ctr"/>
+            <a:endParaRPr lang="en-US" sz="7200" dirty="0">
+              <a:latin typeface="Arial" panose="020B0604020202020204" pitchFamily="34" charset="0"/>
+              <a:cs typeface="Arial" panose="020B0604020202020204" pitchFamily="34" charset="0"/>
+            </a:endParaRPr>
+          </a:p>
+          <a:p>
+            <a:pPr algn="ctr"/>
+            <a:endParaRPr lang="en-US" sz="7200" dirty="0">
+              <a:latin typeface="Arial" panose="020B0604020202020204" pitchFamily="34" charset="0"/>
+              <a:cs typeface="Arial" panose="020B0604020202020204" pitchFamily="34" charset="0"/>
+            </a:endParaRPr>
+          </a:p>
+          <a:p>
+            <a:pPr algn="ctr"/>
+            <a:r>
+              <a:rPr lang="en-US" sz="7200" dirty="0">
+                <a:latin typeface="Arial" panose="020B0604020202020204" pitchFamily="34" charset="0"/>
+                <a:cs typeface="Arial" panose="020B0604020202020204" pitchFamily="34" charset="0"/>
+              </a:rPr>
+              <a:t>The next section is a short </a:t>
+            </a:r>
+            <a:r>
+              <a:rPr lang="en-US" sz="8000" dirty="0">
+                <a:latin typeface="Arial" panose="020B0604020202020204" pitchFamily="34" charset="0"/>
+                <a:ea typeface="+mj-ea"/>
+                <a:cs typeface="+mj-cs"/>
+              </a:rPr>
+              <a:t>survey (up to 5 min). </a:t>
+            </a:r>
+          </a:p>
+        </p:txBody>
+      </p:sp>
+    </p:spTree>
+    <p:extLst>
+      <p:ext uri="{BB962C8B-B14F-4D97-AF65-F5344CB8AC3E}">
+        <p14:creationId xmlns:p14="http://schemas.microsoft.com/office/powerpoint/2010/main" val="3300813077"/>
+      </p:ext>
+    </p:extLst>
+  </p:cSld>
+  <p:clrMapOvr>
+    <a:masterClrMapping/>
+  </p:clrMapOvr>
+</p:sld>
+</file>
+
 <file path=ppt/slides/slide2.xml><?xml version="1.0" encoding="utf-8"?>
 <p:sld xmlns:a="http://schemas.openxmlformats.org/drawingml/2006/main" xmlns:r="http://schemas.openxmlformats.org/officeDocument/2006/relationships" xmlns:p="http://schemas.openxmlformats.org/presentationml/2006/main">
   <p:cSld>
@@ -5223,363 +7713,309 @@
       </p:grpSpPr>
       <p:sp>
         <p:nvSpPr>
-          <p:cNvPr id="7" name="Subtitle 2">
+          <p:cNvPr id="2" name="Title 1">
             <a:extLst>
               <a:ext uri="{FF2B5EF4-FFF2-40B4-BE49-F238E27FC236}">
-                <a16:creationId xmlns:a16="http://schemas.microsoft.com/office/drawing/2014/main" id="{CC037E10-DC8D-D843-90C5-908847AAAD97}"/>
+                <a16:creationId xmlns:a16="http://schemas.microsoft.com/office/drawing/2014/main" id="{21DCC761-EEA5-3B4F-AEC8-ED98BC41E974}"/>
               </a:ext>
             </a:extLst>
           </p:cNvPr>
-          <p:cNvSpPr txBox="1">
-            <a:spLocks/>
+          <p:cNvSpPr>
+            <a:spLocks noGrp="1"/>
           </p:cNvSpPr>
-          <p:nvPr/>
+          <p:nvPr>
+            <p:ph type="ctrTitle"/>
+          </p:nvPr>
         </p:nvSpPr>
         <p:spPr>
           <a:xfrm>
-            <a:off x="58776" y="2309417"/>
-            <a:ext cx="24325224" cy="10911515"/>
+            <a:off x="734787" y="12149394"/>
+            <a:ext cx="23649214" cy="766916"/>
+          </a:xfrm>
+        </p:spPr>
+        <p:txBody>
+          <a:bodyPr>
+            <a:noAutofit/>
+          </a:bodyPr>
+          <a:lstStyle/>
+          <a:p>
+            <a:pPr>
+              <a:lnSpc>
+                <a:spcPts val="4900"/>
+              </a:lnSpc>
+            </a:pPr>
+            <a:br>
+              <a:rPr lang="en-US" sz="5600" dirty="0">
+                <a:ea typeface="+mn-ea"/>
+                <a:cs typeface="Arial" panose="020B0604020202020204" pitchFamily="34" charset="0"/>
+              </a:rPr>
+            </a:br>
+            <a:br>
+              <a:rPr lang="en-US" sz="5600" dirty="0">
+                <a:ea typeface="+mn-ea"/>
+                <a:cs typeface="Arial" panose="020B0604020202020204" pitchFamily="34" charset="0"/>
+              </a:rPr>
+            </a:br>
+            <a:br>
+              <a:rPr lang="en-US" sz="5600" dirty="0">
+                <a:ea typeface="+mn-ea"/>
+                <a:cs typeface="Arial" panose="020B0604020202020204" pitchFamily="34" charset="0"/>
+              </a:rPr>
+            </a:br>
+            <a:br>
+              <a:rPr lang="en-US" sz="5600" dirty="0">
+                <a:ea typeface="+mn-ea"/>
+                <a:cs typeface="Arial" panose="020B0604020202020204" pitchFamily="34" charset="0"/>
+              </a:rPr>
+            </a:br>
+            <a:br>
+              <a:rPr lang="en-US" sz="5400" dirty="0">
+                <a:cs typeface="Arial" panose="020B0604020202020204" pitchFamily="34" charset="0"/>
+              </a:rPr>
+            </a:br>
+            <a:br>
+              <a:rPr lang="en-US" sz="5400" dirty="0">
+                <a:cs typeface="Arial" panose="020B0604020202020204" pitchFamily="34" charset="0"/>
+              </a:rPr>
+            </a:br>
+            <a:br>
+              <a:rPr lang="en-US" sz="5400" dirty="0">
+                <a:cs typeface="Arial" panose="020B0604020202020204" pitchFamily="34" charset="0"/>
+              </a:rPr>
+            </a:br>
+            <a:br>
+              <a:rPr lang="en-US" sz="5400" dirty="0">
+                <a:cs typeface="Arial" panose="020B0604020202020204" pitchFamily="34" charset="0"/>
+              </a:rPr>
+            </a:br>
+            <a:br>
+              <a:rPr lang="en-US" sz="5400" dirty="0">
+                <a:cs typeface="Arial" panose="020B0604020202020204" pitchFamily="34" charset="0"/>
+              </a:rPr>
+            </a:br>
+            <a:br>
+              <a:rPr lang="en-US" sz="5400" dirty="0">
+                <a:cs typeface="Arial" panose="020B0604020202020204" pitchFamily="34" charset="0"/>
+              </a:rPr>
+            </a:br>
+            <a:br>
+              <a:rPr lang="en-US" sz="5400" dirty="0">
+                <a:cs typeface="Arial" panose="020B0604020202020204" pitchFamily="34" charset="0"/>
+              </a:rPr>
+            </a:br>
+            <a:br>
+              <a:rPr lang="en-US" sz="5400" dirty="0">
+                <a:cs typeface="Arial" panose="020B0604020202020204" pitchFamily="34" charset="0"/>
+              </a:rPr>
+            </a:br>
+            <a:br>
+              <a:rPr lang="en-US" sz="5400" dirty="0">
+                <a:cs typeface="Arial" panose="020B0604020202020204" pitchFamily="34" charset="0"/>
+              </a:rPr>
+            </a:br>
+            <a:br>
+              <a:rPr lang="en-US" sz="5400" dirty="0">
+                <a:cs typeface="Arial" panose="020B0604020202020204" pitchFamily="34" charset="0"/>
+              </a:rPr>
+            </a:br>
+            <a:br>
+              <a:rPr lang="en-US" sz="5400" dirty="0">
+                <a:cs typeface="Arial" panose="020B0604020202020204" pitchFamily="34" charset="0"/>
+              </a:rPr>
+            </a:br>
+            <a:br>
+              <a:rPr lang="en-US" sz="5400" dirty="0">
+                <a:cs typeface="Arial" panose="020B0604020202020204" pitchFamily="34" charset="0"/>
+              </a:rPr>
+            </a:br>
+            <a:br>
+              <a:rPr lang="en-US" sz="5400" dirty="0">
+                <a:cs typeface="Arial" panose="020B0604020202020204" pitchFamily="34" charset="0"/>
+              </a:rPr>
+            </a:br>
+            <a:r>
+              <a:rPr lang="en-US" sz="5400" dirty="0">
+                <a:cs typeface="Arial" panose="020B0604020202020204" pitchFamily="34" charset="0"/>
+              </a:rPr>
+              <a:t>The face sequence will be on the screen for a brief moment. In order to take all the ratings in, try to focus your attention on it as much as possible. </a:t>
+            </a:r>
+          </a:p>
+        </p:txBody>
+      </p:sp>
+      <p:pic>
+        <p:nvPicPr>
+          <p:cNvPr id="13" name="Picture 12">
+            <a:extLst>
+              <a:ext uri="{FF2B5EF4-FFF2-40B4-BE49-F238E27FC236}">
+                <a16:creationId xmlns:a16="http://schemas.microsoft.com/office/drawing/2014/main" id="{4010F5EB-4DF2-42D0-9301-0EEBAFDE6E18}"/>
+              </a:ext>
+            </a:extLst>
+          </p:cNvPr>
+          <p:cNvPicPr>
+            <a:picLocks noChangeAspect="1"/>
+          </p:cNvPicPr>
+          <p:nvPr/>
+        </p:nvPicPr>
+        <p:blipFill>
+          <a:blip r:embed="rId2"/>
+          <a:stretch>
+            <a:fillRect/>
+          </a:stretch>
+        </p:blipFill>
+        <p:spPr>
+          <a:xfrm>
+            <a:off x="10794119" y="6858000"/>
+            <a:ext cx="2795762" cy="3588884"/>
           </a:xfrm>
           <a:prstGeom prst="rect">
             <a:avLst/>
           </a:prstGeom>
         </p:spPr>
-        <p:txBody>
-          <a:bodyPr vert="horz" lIns="182856" tIns="91428" rIns="182856" bIns="91428" rtlCol="0">
-            <a:noAutofit/>
+      </p:pic>
+      <p:sp>
+        <p:nvSpPr>
+          <p:cNvPr id="3" name="TextBox 2">
+            <a:extLst>
+              <a:ext uri="{FF2B5EF4-FFF2-40B4-BE49-F238E27FC236}">
+                <a16:creationId xmlns:a16="http://schemas.microsoft.com/office/drawing/2014/main" id="{0B9B32BA-4CD8-4EEB-830E-01A0CE054F6D}"/>
+              </a:ext>
+            </a:extLst>
+          </p:cNvPr>
+          <p:cNvSpPr txBox="1"/>
+          <p:nvPr/>
+        </p:nvSpPr>
+        <p:spPr>
+          <a:xfrm>
+            <a:off x="0" y="234043"/>
+            <a:ext cx="24587200" cy="6124754"/>
+          </a:xfrm>
+          <a:prstGeom prst="rect">
+            <a:avLst/>
+          </a:prstGeom>
+          <a:noFill/>
+        </p:spPr>
+        <p:txBody>
+          <a:bodyPr wrap="square" rtlCol="0">
+            <a:spAutoFit/>
           </a:bodyPr>
-          <a:lstStyle>
-            <a:lvl1pPr marL="0" indent="0" algn="l" defTabSz="914400" rtl="0" eaLnBrk="1" latinLnBrk="0" hangingPunct="1">
-              <a:lnSpc>
-                <a:spcPct val="90000"/>
-              </a:lnSpc>
-              <a:spcBef>
-                <a:spcPts val="1200"/>
-              </a:spcBef>
-              <a:buClr>
-                <a:schemeClr val="accent1">
-                  <a:lumMod val="75000"/>
-                </a:schemeClr>
-              </a:buClr>
-              <a:buSzPct val="85000"/>
-              <a:buFont typeface="Wingdings" pitchFamily="2" charset="2"/>
-              <a:buNone/>
-              <a:defRPr sz="2200" kern="1200">
-                <a:solidFill>
-                  <a:schemeClr val="tx1"/>
-                </a:solidFill>
-                <a:latin typeface="+mn-lt"/>
-                <a:ea typeface="+mn-ea"/>
-                <a:cs typeface="+mn-cs"/>
-              </a:defRPr>
-            </a:lvl1pPr>
-            <a:lvl2pPr marL="457200" indent="0" algn="ctr" defTabSz="914400" rtl="0" eaLnBrk="1" latinLnBrk="0" hangingPunct="1">
-              <a:lnSpc>
-                <a:spcPct val="90000"/>
-              </a:lnSpc>
-              <a:spcBef>
-                <a:spcPts val="400"/>
-              </a:spcBef>
-              <a:spcAft>
-                <a:spcPts val="200"/>
-              </a:spcAft>
-              <a:buClr>
-                <a:schemeClr val="accent1">
-                  <a:lumMod val="75000"/>
-                </a:schemeClr>
-              </a:buClr>
-              <a:buSzPct val="85000"/>
-              <a:buFont typeface="Wingdings" pitchFamily="2" charset="2"/>
-              <a:buNone/>
-              <a:defRPr sz="2800" kern="1200">
-                <a:solidFill>
-                  <a:schemeClr val="tx1"/>
-                </a:solidFill>
-                <a:latin typeface="+mn-lt"/>
-                <a:ea typeface="+mn-ea"/>
-                <a:cs typeface="+mn-cs"/>
-              </a:defRPr>
-            </a:lvl2pPr>
-            <a:lvl3pPr marL="914400" indent="0" algn="ctr" defTabSz="914400" rtl="0" eaLnBrk="1" latinLnBrk="0" hangingPunct="1">
-              <a:lnSpc>
-                <a:spcPct val="90000"/>
-              </a:lnSpc>
-              <a:spcBef>
-                <a:spcPts val="400"/>
-              </a:spcBef>
-              <a:spcAft>
-                <a:spcPts val="200"/>
-              </a:spcAft>
-              <a:buClr>
-                <a:schemeClr val="accent1">
-                  <a:lumMod val="75000"/>
-                </a:schemeClr>
-              </a:buClr>
-              <a:buSzPct val="85000"/>
-              <a:buFont typeface="Wingdings" pitchFamily="2" charset="2"/>
-              <a:buNone/>
-              <a:defRPr sz="2400" kern="1200">
-                <a:solidFill>
-                  <a:schemeClr val="tx1"/>
-                </a:solidFill>
-                <a:latin typeface="+mn-lt"/>
-                <a:ea typeface="+mn-ea"/>
-                <a:cs typeface="+mn-cs"/>
-              </a:defRPr>
-            </a:lvl3pPr>
-            <a:lvl4pPr marL="1371600" indent="0" algn="ctr" defTabSz="914400" rtl="0" eaLnBrk="1" latinLnBrk="0" hangingPunct="1">
-              <a:lnSpc>
-                <a:spcPct val="90000"/>
-              </a:lnSpc>
-              <a:spcBef>
-                <a:spcPts val="400"/>
-              </a:spcBef>
-              <a:spcAft>
-                <a:spcPts val="200"/>
-              </a:spcAft>
-              <a:buClr>
-                <a:schemeClr val="accent1">
-                  <a:lumMod val="75000"/>
-                </a:schemeClr>
-              </a:buClr>
-              <a:buSzPct val="85000"/>
-              <a:buFont typeface="Wingdings" pitchFamily="2" charset="2"/>
-              <a:buNone/>
-              <a:defRPr sz="2000" kern="1200">
-                <a:solidFill>
-                  <a:schemeClr val="tx1"/>
-                </a:solidFill>
-                <a:latin typeface="+mn-lt"/>
-                <a:ea typeface="+mn-ea"/>
-                <a:cs typeface="+mn-cs"/>
-              </a:defRPr>
-            </a:lvl4pPr>
-            <a:lvl5pPr marL="1828800" indent="0" algn="ctr" defTabSz="914400" rtl="0" eaLnBrk="1" latinLnBrk="0" hangingPunct="1">
-              <a:lnSpc>
-                <a:spcPct val="90000"/>
-              </a:lnSpc>
-              <a:spcBef>
-                <a:spcPts val="400"/>
-              </a:spcBef>
-              <a:spcAft>
-                <a:spcPts val="200"/>
-              </a:spcAft>
-              <a:buClr>
-                <a:schemeClr val="accent1">
-                  <a:lumMod val="75000"/>
-                </a:schemeClr>
-              </a:buClr>
-              <a:buSzPct val="85000"/>
-              <a:buFont typeface="Wingdings" pitchFamily="2" charset="2"/>
-              <a:buNone/>
-              <a:defRPr sz="2000" kern="1200">
-                <a:solidFill>
-                  <a:schemeClr val="tx1"/>
-                </a:solidFill>
-                <a:latin typeface="+mn-lt"/>
-                <a:ea typeface="+mn-ea"/>
-                <a:cs typeface="+mn-cs"/>
-              </a:defRPr>
-            </a:lvl5pPr>
-            <a:lvl6pPr marL="2286000" indent="0" algn="ctr" defTabSz="914400" rtl="0" eaLnBrk="1" latinLnBrk="0" hangingPunct="1">
-              <a:lnSpc>
-                <a:spcPct val="90000"/>
-              </a:lnSpc>
-              <a:spcBef>
-                <a:spcPts val="400"/>
-              </a:spcBef>
-              <a:spcAft>
-                <a:spcPts val="200"/>
-              </a:spcAft>
-              <a:buClr>
-                <a:schemeClr val="accent1">
-                  <a:lumMod val="75000"/>
-                </a:schemeClr>
-              </a:buClr>
-              <a:buSzPct val="85000"/>
-              <a:buFont typeface="Wingdings" pitchFamily="2" charset="2"/>
-              <a:buNone/>
-              <a:defRPr sz="2000" kern="1200">
-                <a:solidFill>
-                  <a:schemeClr val="tx1"/>
-                </a:solidFill>
-                <a:latin typeface="+mn-lt"/>
-                <a:ea typeface="+mn-ea"/>
-                <a:cs typeface="+mn-cs"/>
-              </a:defRPr>
-            </a:lvl6pPr>
-            <a:lvl7pPr marL="2743200" indent="0" algn="ctr" defTabSz="914400" rtl="0" eaLnBrk="1" latinLnBrk="0" hangingPunct="1">
-              <a:lnSpc>
-                <a:spcPct val="90000"/>
-              </a:lnSpc>
-              <a:spcBef>
-                <a:spcPts val="400"/>
-              </a:spcBef>
-              <a:spcAft>
-                <a:spcPts val="200"/>
-              </a:spcAft>
-              <a:buClr>
-                <a:schemeClr val="accent1">
-                  <a:lumMod val="75000"/>
-                </a:schemeClr>
-              </a:buClr>
-              <a:buSzPct val="85000"/>
-              <a:buFont typeface="Wingdings" pitchFamily="2" charset="2"/>
-              <a:buNone/>
-              <a:defRPr sz="2000" kern="1200">
-                <a:solidFill>
-                  <a:schemeClr val="tx1"/>
-                </a:solidFill>
-                <a:latin typeface="+mn-lt"/>
-                <a:ea typeface="+mn-ea"/>
-                <a:cs typeface="+mn-cs"/>
-              </a:defRPr>
-            </a:lvl7pPr>
-            <a:lvl8pPr marL="3200400" indent="0" algn="ctr" defTabSz="914400" rtl="0" eaLnBrk="1" latinLnBrk="0" hangingPunct="1">
-              <a:lnSpc>
-                <a:spcPct val="90000"/>
-              </a:lnSpc>
-              <a:spcBef>
-                <a:spcPts val="400"/>
-              </a:spcBef>
-              <a:spcAft>
-                <a:spcPts val="200"/>
-              </a:spcAft>
-              <a:buClr>
-                <a:schemeClr val="accent1">
-                  <a:lumMod val="75000"/>
-                </a:schemeClr>
-              </a:buClr>
-              <a:buSzPct val="85000"/>
-              <a:buFont typeface="Wingdings" pitchFamily="2" charset="2"/>
-              <a:buNone/>
-              <a:defRPr sz="2000" kern="1200">
-                <a:solidFill>
-                  <a:schemeClr val="tx1"/>
-                </a:solidFill>
-                <a:latin typeface="+mn-lt"/>
-                <a:ea typeface="+mn-ea"/>
-                <a:cs typeface="+mn-cs"/>
-              </a:defRPr>
-            </a:lvl8pPr>
-            <a:lvl9pPr marL="3657600" indent="0" algn="ctr" defTabSz="914400" rtl="0" eaLnBrk="1" latinLnBrk="0" hangingPunct="1">
-              <a:lnSpc>
-                <a:spcPct val="90000"/>
-              </a:lnSpc>
-              <a:spcBef>
-                <a:spcPts val="400"/>
-              </a:spcBef>
-              <a:spcAft>
-                <a:spcPts val="200"/>
-              </a:spcAft>
-              <a:buClr>
-                <a:schemeClr val="accent1">
-                  <a:lumMod val="75000"/>
-                </a:schemeClr>
-              </a:buClr>
-              <a:buSzPct val="85000"/>
-              <a:buFont typeface="Wingdings" pitchFamily="2" charset="2"/>
-              <a:buNone/>
-              <a:defRPr sz="2000" kern="1200">
-                <a:solidFill>
-                  <a:schemeClr val="tx1"/>
-                </a:solidFill>
-                <a:latin typeface="+mn-lt"/>
-                <a:ea typeface="+mn-ea"/>
-                <a:cs typeface="+mn-cs"/>
-              </a:defRPr>
-            </a:lvl9pPr>
-          </a:lstStyle>
+          <a:lstStyle/>
           <a:p>
             <a:pPr algn="ctr"/>
             <a:r>
-              <a:rPr lang="en-US" sz="7200" dirty="0">
-                <a:latin typeface="Arial" panose="020B0604020202020204" pitchFamily="34" charset="0"/>
-                <a:cs typeface="Arial" panose="020B0604020202020204" pitchFamily="34" charset="0"/>
-              </a:rPr>
-              <a:t>You've completed the task.</a:t>
-            </a:r>
-          </a:p>
-          <a:p>
-            <a:pPr algn="ctr"/>
-            <a:endParaRPr lang="en-US" sz="7200" dirty="0">
-              <a:latin typeface="Arial" panose="020B0604020202020204" pitchFamily="34" charset="0"/>
-              <a:cs typeface="Arial" panose="020B0604020202020204" pitchFamily="34" charset="0"/>
-            </a:endParaRPr>
-          </a:p>
-          <a:p>
-            <a:pPr algn="ctr"/>
-            <a:endParaRPr lang="en-US" sz="7200" dirty="0">
-              <a:latin typeface="Arial" panose="020B0604020202020204" pitchFamily="34" charset="0"/>
-              <a:cs typeface="Arial" panose="020B0604020202020204" pitchFamily="34" charset="0"/>
-            </a:endParaRPr>
-          </a:p>
-          <a:p>
-            <a:pPr algn="ctr"/>
-            <a:r>
-              <a:rPr lang="en-US" sz="7200" dirty="0">
-                <a:latin typeface="Arial" panose="020B0604020202020204" pitchFamily="34" charset="0"/>
-                <a:cs typeface="Arial" panose="020B0604020202020204" pitchFamily="34" charset="0"/>
-              </a:rPr>
-              <a:t>Thank you for your participation</a:t>
-            </a:r>
-            <a:r>
-              <a:rPr lang="en-US" altLang="zh-CN" sz="7200" dirty="0">
-                <a:latin typeface="Arial" panose="020B0604020202020204" pitchFamily="34" charset="0"/>
-                <a:cs typeface="Arial" panose="020B0604020202020204" pitchFamily="34" charset="0"/>
-              </a:rPr>
-              <a:t>.</a:t>
-            </a:r>
-            <a:endParaRPr lang="en-US" sz="7200" dirty="0">
-              <a:latin typeface="Arial" panose="020B0604020202020204" pitchFamily="34" charset="0"/>
-              <a:cs typeface="Arial" panose="020B0604020202020204" pitchFamily="34" charset="0"/>
-            </a:endParaRPr>
-          </a:p>
-          <a:p>
-            <a:pPr algn="ctr"/>
-            <a:endParaRPr lang="en-US" sz="7200" dirty="0">
-              <a:latin typeface="Arial" panose="020B0604020202020204" pitchFamily="34" charset="0"/>
-              <a:cs typeface="Arial" panose="020B0604020202020204" pitchFamily="34" charset="0"/>
-            </a:endParaRPr>
-          </a:p>
-          <a:p>
-            <a:pPr algn="ctr"/>
-            <a:endParaRPr lang="en-US" sz="7200" dirty="0">
-              <a:latin typeface="Arial" panose="020B0604020202020204" pitchFamily="34" charset="0"/>
-              <a:cs typeface="Arial" panose="020B0604020202020204" pitchFamily="34" charset="0"/>
-            </a:endParaRPr>
-          </a:p>
-          <a:p>
-            <a:pPr algn="ctr"/>
-            <a:endParaRPr lang="en-US" sz="7200" dirty="0">
-              <a:latin typeface="Arial" panose="020B0604020202020204" pitchFamily="34" charset="0"/>
-              <a:cs typeface="Arial" panose="020B0604020202020204" pitchFamily="34" charset="0"/>
-            </a:endParaRPr>
-          </a:p>
-          <a:p>
-            <a:pPr algn="ctr"/>
-            <a:r>
-              <a:rPr lang="en-US" sz="7200" dirty="0">
-                <a:latin typeface="Arial" panose="020B0604020202020204" pitchFamily="34" charset="0"/>
-                <a:cs typeface="Arial" panose="020B0604020202020204" pitchFamily="34" charset="0"/>
-              </a:rPr>
-              <a:t>The next section is a short </a:t>
-            </a:r>
-            <a:r>
-              <a:rPr lang="en-US" sz="8000" dirty="0">
-                <a:latin typeface="Arial" panose="020B0604020202020204" pitchFamily="34" charset="0"/>
-                <a:ea typeface="+mj-ea"/>
-                <a:cs typeface="+mj-cs"/>
-              </a:rPr>
-              <a:t>survey (up to 5 min). </a:t>
-            </a:r>
+              <a:rPr lang="en-US" sz="5600" dirty="0">
+                <a:latin typeface="Arial" panose="020B0604020202020204" pitchFamily="34" charset="0"/>
+                <a:cs typeface="Arial" panose="020B0604020202020204" pitchFamily="34" charset="0"/>
+              </a:rPr>
+              <a:t>You completed the first session!</a:t>
+            </a:r>
+            <a:br>
+              <a:rPr lang="en-US" sz="5600" dirty="0">
+                <a:latin typeface="Arial" panose="020B0604020202020204" pitchFamily="34" charset="0"/>
+                <a:cs typeface="Arial" panose="020B0604020202020204" pitchFamily="34" charset="0"/>
+              </a:rPr>
+            </a:br>
+            <a:r>
+              <a:rPr lang="en-US" sz="5600" dirty="0">
+                <a:latin typeface="Arial" panose="020B0604020202020204" pitchFamily="34" charset="0"/>
+                <a:cs typeface="Arial" panose="020B0604020202020204" pitchFamily="34" charset="0"/>
+              </a:rPr>
+              <a:t>The goal of this session is to examine whether people can </a:t>
+            </a:r>
+            <a:r>
+              <a:rPr lang="en-US" sz="5600" dirty="0">
+                <a:solidFill>
+                  <a:srgbClr val="FF0000"/>
+                </a:solidFill>
+                <a:latin typeface="Arial" panose="020B0604020202020204" pitchFamily="34" charset="0"/>
+                <a:cs typeface="Arial" panose="020B0604020202020204" pitchFamily="34" charset="0"/>
+              </a:rPr>
+              <a:t>remember</a:t>
+            </a:r>
+            <a:r>
+              <a:rPr lang="en-US" sz="5600" dirty="0">
+                <a:latin typeface="Arial" panose="020B0604020202020204" pitchFamily="34" charset="0"/>
+                <a:cs typeface="Arial" panose="020B0604020202020204" pitchFamily="34" charset="0"/>
+              </a:rPr>
+              <a:t> the </a:t>
+            </a:r>
+            <a:br>
+              <a:rPr lang="en-US" sz="5600" dirty="0">
+                <a:latin typeface="Arial" panose="020B0604020202020204" pitchFamily="34" charset="0"/>
+                <a:cs typeface="Arial" panose="020B0604020202020204" pitchFamily="34" charset="0"/>
+              </a:rPr>
+            </a:br>
+            <a:r>
+              <a:rPr lang="en-US" sz="5600" dirty="0">
+                <a:solidFill>
+                  <a:srgbClr val="FF0000"/>
+                </a:solidFill>
+                <a:latin typeface="Arial" panose="020B0604020202020204" pitchFamily="34" charset="0"/>
+                <a:cs typeface="Arial" panose="020B0604020202020204" pitchFamily="34" charset="0"/>
+              </a:rPr>
+              <a:t>emotional facial expressions </a:t>
+            </a:r>
+            <a:r>
+              <a:rPr lang="en-US" sz="5600" dirty="0">
+                <a:latin typeface="Arial" panose="020B0604020202020204" pitchFamily="34" charset="0"/>
+                <a:cs typeface="Arial" panose="020B0604020202020204" pitchFamily="34" charset="0"/>
+              </a:rPr>
+              <a:t>of a face in the sequence.</a:t>
+            </a:r>
+            <a:br>
+              <a:rPr lang="en-US" sz="5600" dirty="0">
+                <a:latin typeface="Arial" panose="020B0604020202020204" pitchFamily="34" charset="0"/>
+                <a:cs typeface="Arial" panose="020B0604020202020204" pitchFamily="34" charset="0"/>
+              </a:rPr>
+            </a:br>
+            <a:r>
+              <a:rPr lang="en-US" sz="5600" dirty="0">
+                <a:latin typeface="Arial" panose="020B0604020202020204" pitchFamily="34" charset="0"/>
+                <a:cs typeface="Arial" panose="020B0604020202020204" pitchFamily="34" charset="0"/>
+              </a:rPr>
+              <a:t> </a:t>
+            </a:r>
+            <a:br>
+              <a:rPr lang="en-US" sz="5600" dirty="0">
+                <a:latin typeface="Arial" panose="020B0604020202020204" pitchFamily="34" charset="0"/>
+                <a:cs typeface="Arial" panose="020B0604020202020204" pitchFamily="34" charset="0"/>
+              </a:rPr>
+            </a:br>
+            <a:r>
+              <a:rPr lang="en-US" sz="5600" dirty="0">
+                <a:latin typeface="Arial" panose="020B0604020202020204" pitchFamily="34" charset="0"/>
+                <a:cs typeface="Arial" panose="020B0604020202020204" pitchFamily="34" charset="0"/>
+              </a:rPr>
+              <a:t>As in the previous session,</a:t>
+            </a:r>
+            <a:r>
+              <a:rPr lang="zh-CN" altLang="en-US" sz="5600" dirty="0">
+                <a:latin typeface="Arial" panose="020B0604020202020204" pitchFamily="34" charset="0"/>
+                <a:cs typeface="Arial" panose="020B0604020202020204" pitchFamily="34" charset="0"/>
+              </a:rPr>
+              <a:t> </a:t>
+            </a:r>
+            <a:r>
+              <a:rPr lang="en-US" altLang="zh-CN" sz="5600" dirty="0">
+                <a:latin typeface="Arial" panose="020B0604020202020204" pitchFamily="34" charset="0"/>
+                <a:cs typeface="Arial" panose="020B0604020202020204" pitchFamily="34" charset="0"/>
+              </a:rPr>
+              <a:t>a series of faces </a:t>
+            </a:r>
+            <a:r>
+              <a:rPr lang="en-US" sz="5600" dirty="0">
+                <a:latin typeface="Arial" panose="020B0604020202020204" pitchFamily="34" charset="0"/>
+                <a:cs typeface="Arial" panose="020B0604020202020204" pitchFamily="34" charset="0"/>
+              </a:rPr>
+              <a:t>expressing various degrees of emotions will appear on the screen. The face sequence may either be expressing positive or negative emotions. </a:t>
+            </a:r>
+            <a:endParaRPr lang="en-GB" sz="5600" dirty="0"/>
           </a:p>
         </p:txBody>
       </p:sp>
     </p:spTree>
     <p:extLst>
       <p:ext uri="{BB962C8B-B14F-4D97-AF65-F5344CB8AC3E}">
-        <p14:creationId xmlns:p14="http://schemas.microsoft.com/office/powerpoint/2010/main" val="3300813077"/>
+        <p14:creationId xmlns:p14="http://schemas.microsoft.com/office/powerpoint/2010/main" val="1201706139"/>
       </p:ext>
     </p:extLst>
   </p:cSld>

--- a/img/ins/memory_seperate/slides/general_sequential_slides.pptx
+++ b/img/ins/memory_seperate/slides/general_sequential_slides.pptx
@@ -152,20 +152,6 @@
 </p:cmAuthorLst>
 </file>
 
-<file path=ppt/comments/comment1.xml><?xml version="1.0" encoding="utf-8"?>
-<p:cmLst xmlns:a="http://schemas.openxmlformats.org/drawingml/2006/main" xmlns:r="http://schemas.openxmlformats.org/officeDocument/2006/relationships" xmlns:p="http://schemas.openxmlformats.org/presentationml/2006/main">
-  <p:cm authorId="3" dt="2020-05-09T13:31:39.024" idx="1">
-    <p:pos x="8032" y="4560"/>
-    <p:text/>
-    <p:extLst>
-      <p:ext uri="{C676402C-5697-4E1C-873F-D02D1690AC5C}">
-        <p15:threadingInfo xmlns:p15="http://schemas.microsoft.com/office/powerpoint/2012/main" timeZoneBias="-60"/>
-      </p:ext>
-    </p:extLst>
-  </p:cm>
-</p:cmLst>
-</file>
-
 <file path=ppt/slideLayouts/slideLayout1.xml><?xml version="1.0" encoding="utf-8"?>
 <p:sldLayout xmlns:a="http://schemas.openxmlformats.org/drawingml/2006/main" xmlns:r="http://schemas.openxmlformats.org/officeDocument/2006/relationships" xmlns:p="http://schemas.openxmlformats.org/presentationml/2006/main" type="title" preserve="1">
   <p:cSld name="Title Slide">
@@ -297,7 +283,7 @@
           <a:p>
             <a:fld id="{22BE98DE-5B02-5640-B1FB-9B77D9687ABA}" type="datetimeFigureOut">
               <a:rPr lang="en-US" smtClean="0"/>
-              <a:t>5/9/2020</a:t>
+              <a:t>5/13/2020</a:t>
             </a:fld>
             <a:endParaRPr lang="en-US"/>
           </a:p>
@@ -467,7 +453,7 @@
           <a:p>
             <a:fld id="{22BE98DE-5B02-5640-B1FB-9B77D9687ABA}" type="datetimeFigureOut">
               <a:rPr lang="en-US" smtClean="0"/>
-              <a:t>5/9/2020</a:t>
+              <a:t>5/13/2020</a:t>
             </a:fld>
             <a:endParaRPr lang="en-US"/>
           </a:p>
@@ -647,7 +633,7 @@
           <a:p>
             <a:fld id="{22BE98DE-5B02-5640-B1FB-9B77D9687ABA}" type="datetimeFigureOut">
               <a:rPr lang="en-US" smtClean="0"/>
-              <a:t>5/9/2020</a:t>
+              <a:t>5/13/2020</a:t>
             </a:fld>
             <a:endParaRPr lang="en-US"/>
           </a:p>
@@ -817,7 +803,7 @@
           <a:p>
             <a:fld id="{22BE98DE-5B02-5640-B1FB-9B77D9687ABA}" type="datetimeFigureOut">
               <a:rPr lang="en-US" smtClean="0"/>
-              <a:t>5/9/2020</a:t>
+              <a:t>5/13/2020</a:t>
             </a:fld>
             <a:endParaRPr lang="en-US"/>
           </a:p>
@@ -1063,7 +1049,7 @@
           <a:p>
             <a:fld id="{22BE98DE-5B02-5640-B1FB-9B77D9687ABA}" type="datetimeFigureOut">
               <a:rPr lang="en-US" smtClean="0"/>
-              <a:t>5/9/2020</a:t>
+              <a:t>5/13/2020</a:t>
             </a:fld>
             <a:endParaRPr lang="en-US"/>
           </a:p>
@@ -1295,7 +1281,7 @@
           <a:p>
             <a:fld id="{22BE98DE-5B02-5640-B1FB-9B77D9687ABA}" type="datetimeFigureOut">
               <a:rPr lang="en-US" smtClean="0"/>
-              <a:t>5/9/2020</a:t>
+              <a:t>5/13/2020</a:t>
             </a:fld>
             <a:endParaRPr lang="en-US"/>
           </a:p>
@@ -1662,7 +1648,7 @@
           <a:p>
             <a:fld id="{22BE98DE-5B02-5640-B1FB-9B77D9687ABA}" type="datetimeFigureOut">
               <a:rPr lang="en-US" smtClean="0"/>
-              <a:t>5/9/2020</a:t>
+              <a:t>5/13/2020</a:t>
             </a:fld>
             <a:endParaRPr lang="en-US"/>
           </a:p>
@@ -1780,7 +1766,7 @@
           <a:p>
             <a:fld id="{22BE98DE-5B02-5640-B1FB-9B77D9687ABA}" type="datetimeFigureOut">
               <a:rPr lang="en-US" smtClean="0"/>
-              <a:t>5/9/2020</a:t>
+              <a:t>5/13/2020</a:t>
             </a:fld>
             <a:endParaRPr lang="en-US"/>
           </a:p>
@@ -1875,7 +1861,7 @@
           <a:p>
             <a:fld id="{22BE98DE-5B02-5640-B1FB-9B77D9687ABA}" type="datetimeFigureOut">
               <a:rPr lang="en-US" smtClean="0"/>
-              <a:t>5/9/2020</a:t>
+              <a:t>5/13/2020</a:t>
             </a:fld>
             <a:endParaRPr lang="en-US"/>
           </a:p>
@@ -2152,7 +2138,7 @@
           <a:p>
             <a:fld id="{22BE98DE-5B02-5640-B1FB-9B77D9687ABA}" type="datetimeFigureOut">
               <a:rPr lang="en-US" smtClean="0"/>
-              <a:t>5/9/2020</a:t>
+              <a:t>5/13/2020</a:t>
             </a:fld>
             <a:endParaRPr lang="en-US"/>
           </a:p>
@@ -2409,7 +2395,7 @@
           <a:p>
             <a:fld id="{22BE98DE-5B02-5640-B1FB-9B77D9687ABA}" type="datetimeFigureOut">
               <a:rPr lang="en-US" smtClean="0"/>
-              <a:t>5/9/2020</a:t>
+              <a:t>5/13/2020</a:t>
             </a:fld>
             <a:endParaRPr lang="en-US"/>
           </a:p>
@@ -2622,7 +2608,7 @@
             <a:fld id="{22BE98DE-5B02-5640-B1FB-9B77D9687ABA}" type="datetimeFigureOut">
               <a:rPr lang="en-US" smtClean="0"/>
               <a:pPr/>
-              <a:t>5/9/2020</a:t>
+              <a:t>5/13/2020</a:t>
             </a:fld>
             <a:endParaRPr lang="en-US" dirty="0"/>
           </a:p>
